--- a/exam2pptvideo/de/templates/exam_german_classic.pptx
+++ b/exam2pptvideo/de/templates/exam_german_classic.pptx
@@ -194,7 +194,7 @@
           <a:p>
             <a:fld id="{B7A14DAC-E471-0241-9205-A16CCA3D031F}" type="datetimeFigureOut">
               <a:rPr kumimoji="1" lang="zh-CN" altLang="en-US" smtClean="0"/>
-              <a:t>2021/6/10</a:t>
+              <a:t>2021/6/13</a:t>
             </a:fld>
             <a:endParaRPr kumimoji="1" lang="zh-CN" altLang="en-US"/>
           </a:p>
@@ -7069,7 +7069,7 @@
         <p:spPr>
           <a:xfrm>
             <a:off x="1056000" y="309798"/>
-            <a:ext cx="1728000" cy="523221"/>
+            <a:ext cx="1584000" cy="523221"/>
           </a:xfrm>
           <a:prstGeom prst="rect">
             <a:avLst/>
@@ -7125,8 +7125,8 @@
         </p:nvSpPr>
         <p:spPr>
           <a:xfrm>
-            <a:off x="2784001" y="353276"/>
-            <a:ext cx="1624714" cy="461665"/>
+            <a:off x="2640000" y="353276"/>
+            <a:ext cx="1584000" cy="461665"/>
           </a:xfrm>
           <a:prstGeom prst="rect">
             <a:avLst/>
@@ -7140,7 +7140,7 @@
           <a:lstStyle/>
           <a:p>
             <a:r>
-              <a:rPr kumimoji="1" lang="zh-CN" altLang="en-US" sz="2400" b="0" i="0" dirty="0">
+              <a:rPr kumimoji="1" lang="zh-CN" altLang="en-US" sz="2400" b="0" i="0">
                 <a:solidFill>
                   <a:srgbClr val="1B1B1B"/>
                 </a:solidFill>
@@ -7148,8 +7148,27 @@
                 <a:ea typeface="PingFang SC" panose="020B0400000000000000" pitchFamily="34" charset="-122"/>
                 <a:cs typeface="PingFang SC Medium" charset="-122"/>
               </a:rPr>
-              <a:t>正确解答</a:t>
-            </a:r>
+              <a:t>正确</a:t>
+            </a:r>
+            <a:r>
+              <a:rPr kumimoji="1" lang="zh-CN" altLang="en-US" sz="2400" b="0" i="0" smtClean="0">
+                <a:solidFill>
+                  <a:srgbClr val="1B1B1B"/>
+                </a:solidFill>
+                <a:latin typeface="PingFang SC" panose="020B0400000000000000" pitchFamily="34" charset="-122"/>
+                <a:ea typeface="PingFang SC" panose="020B0400000000000000" pitchFamily="34" charset="-122"/>
+                <a:cs typeface="PingFang SC Medium" charset="-122"/>
+              </a:rPr>
+              <a:t>解答</a:t>
+            </a:r>
+            <a:endParaRPr kumimoji="1" lang="zh-CN" altLang="en-US" sz="2400" b="0" i="0" dirty="0">
+              <a:solidFill>
+                <a:srgbClr val="1B1B1B"/>
+              </a:solidFill>
+              <a:latin typeface="PingFang SC" panose="020B0400000000000000" pitchFamily="34" charset="-122"/>
+              <a:ea typeface="PingFang SC" panose="020B0400000000000000" pitchFamily="34" charset="-122"/>
+              <a:cs typeface="PingFang SC Medium" charset="-122"/>
+            </a:endParaRPr>
           </a:p>
         </p:txBody>
       </p:sp>
@@ -7165,7 +7184,7 @@
         </p:nvSpPr>
         <p:spPr>
           <a:xfrm>
-            <a:off x="4192815" y="309798"/>
+            <a:off x="4015015" y="309798"/>
             <a:ext cx="1152000" cy="523221"/>
           </a:xfrm>
           <a:prstGeom prst="rect">
@@ -8502,8 +8521,29 @@
                 <a:ea typeface="PingFang SC" charset="-122"/>
                 <a:cs typeface="PingFang SC" charset="-122"/>
               </a:rPr>
-              <a:t>计算分数，请稍后</a:t>
-            </a:r>
+              <a:t>计算分数，请</a:t>
+            </a:r>
+            <a:r>
+              <a:rPr lang="zh-CN" altLang="en-US" sz="2400" b="0" i="0" dirty="0" smtClean="0">
+                <a:solidFill>
+                  <a:srgbClr val="1B1B1B"/>
+                </a:solidFill>
+                <a:effectLst/>
+                <a:latin typeface="PingFang SC" charset="-122"/>
+                <a:ea typeface="PingFang SC" charset="-122"/>
+                <a:cs typeface="PingFang SC" charset="-122"/>
+              </a:rPr>
+              <a:t>稍后</a:t>
+            </a:r>
+            <a:endParaRPr lang="zh-CN" altLang="en-US" sz="2400" b="0" i="0" dirty="0">
+              <a:solidFill>
+                <a:srgbClr val="1B1B1B"/>
+              </a:solidFill>
+              <a:effectLst/>
+              <a:latin typeface="PingFang SC" charset="-122"/>
+              <a:ea typeface="PingFang SC" charset="-122"/>
+              <a:cs typeface="PingFang SC" charset="-122"/>
+            </a:endParaRPr>
           </a:p>
         </p:txBody>
       </p:sp>
@@ -8617,14 +8657,6 @@
               <a:tabLst/>
               <a:defRPr/>
             </a:pPr>
-            <a:r>
-              <a:rPr kumimoji="1" lang="en-US" altLang="zh-CN" dirty="0" smtClean="0"/>
-              <a:t>Calculating score, please wait.</a:t>
-            </a:r>
-            <a:r>
-              <a:rPr kumimoji="1" lang="zh-CN" altLang="en-US" dirty="0" smtClean="0"/>
-              <a:t> </a:t>
-            </a:r>
             <a:r>
               <a:rPr kumimoji="1" lang="en-US" altLang="zh-CN" dirty="0" smtClean="0"/>
               <a:t>Calculating score, please wait</a:t>

--- a/exam2pptvideo/de/templates/exam_german_classic.pptx
+++ b/exam2pptvideo/de/templates/exam_german_classic.pptx
@@ -194,7 +194,7 @@
           <a:p>
             <a:fld id="{B7A14DAC-E471-0241-9205-A16CCA3D031F}" type="datetimeFigureOut">
               <a:rPr kumimoji="1" lang="zh-CN" altLang="en-US" smtClean="0"/>
-              <a:t>2021/6/13</a:t>
+              <a:t>2021/6/26</a:t>
             </a:fld>
             <a:endParaRPr kumimoji="1" lang="zh-CN" altLang="en-US"/>
           </a:p>
@@ -719,7 +719,7 @@
       </p:pic>
       <p:pic>
         <p:nvPicPr>
-          <p:cNvPr id="4" name="图片 3"/>
+          <p:cNvPr id="3" name="图片 2"/>
           <p:cNvPicPr>
             <a:picLocks noChangeAspect="1"/>
           </p:cNvPicPr>
@@ -739,8 +739,8 @@
         </p:blipFill>
         <p:spPr>
           <a:xfrm>
-            <a:off x="6906257" y="4431514"/>
-            <a:ext cx="1800000" cy="1800000"/>
+            <a:off x="6567466" y="4064000"/>
+            <a:ext cx="2097594" cy="2167514"/>
           </a:xfrm>
           <a:prstGeom prst="rect">
             <a:avLst/>
@@ -1694,7 +1694,7 @@
           <p:cNvPr id="11" name="文本框 6">
             <a:extLst>
               <a:ext uri="{FF2B5EF4-FFF2-40B4-BE49-F238E27FC236}">
-                <a16:creationId xmlns="" xmlns:a16="http://schemas.microsoft.com/office/drawing/2014/main" id="{5D38C703-0535-2649-B4A0-B8F05CF7B2C5}"/>
+                <a16:creationId xmlns:a16="http://schemas.microsoft.com/office/drawing/2014/main" xmlns="" id="{5D38C703-0535-2649-B4A0-B8F05CF7B2C5}"/>
               </a:ext>
             </a:extLst>
           </p:cNvPr>
@@ -1744,7 +1744,7 @@
           <p:cNvPr id="12" name="文本框 11">
             <a:extLst>
               <a:ext uri="{FF2B5EF4-FFF2-40B4-BE49-F238E27FC236}">
-                <a16:creationId xmlns="" xmlns:a16="http://schemas.microsoft.com/office/drawing/2014/main" id="{65E5CD98-D6C1-1848-86A2-A50598B55139}"/>
+                <a16:creationId xmlns:a16="http://schemas.microsoft.com/office/drawing/2014/main" xmlns="" id="{65E5CD98-D6C1-1848-86A2-A50598B55139}"/>
               </a:ext>
             </a:extLst>
           </p:cNvPr>
@@ -1794,7 +1794,7 @@
           <p:cNvPr id="13" name="文本框 6">
             <a:extLst>
               <a:ext uri="{FF2B5EF4-FFF2-40B4-BE49-F238E27FC236}">
-                <a16:creationId xmlns="" xmlns:a16="http://schemas.microsoft.com/office/drawing/2014/main" id="{5F9E940D-7090-E94B-8B49-5CA1D127071A}"/>
+                <a16:creationId xmlns:a16="http://schemas.microsoft.com/office/drawing/2014/main" xmlns="" id="{5F9E940D-7090-E94B-8B49-5CA1D127071A}"/>
               </a:ext>
             </a:extLst>
           </p:cNvPr>
@@ -1844,7 +1844,7 @@
           <p:cNvPr id="14" name="文本框 6">
             <a:extLst>
               <a:ext uri="{FF2B5EF4-FFF2-40B4-BE49-F238E27FC236}">
-                <a16:creationId xmlns="" xmlns:a16="http://schemas.microsoft.com/office/drawing/2014/main" id="{BB9196A1-74E2-5046-99D0-EB0B468753EC}"/>
+                <a16:creationId xmlns:a16="http://schemas.microsoft.com/office/drawing/2014/main" xmlns="" id="{BB9196A1-74E2-5046-99D0-EB0B468753EC}"/>
               </a:ext>
             </a:extLst>
           </p:cNvPr>
@@ -2969,7 +2969,7 @@
           <p:cNvPr id="10" name="文本框 6">
             <a:extLst>
               <a:ext uri="{FF2B5EF4-FFF2-40B4-BE49-F238E27FC236}">
-                <a16:creationId xmlns="" xmlns:a16="http://schemas.microsoft.com/office/drawing/2014/main" id="{5D38C703-0535-2649-B4A0-B8F05CF7B2C5}"/>
+                <a16:creationId xmlns:a16="http://schemas.microsoft.com/office/drawing/2014/main" xmlns="" id="{5D38C703-0535-2649-B4A0-B8F05CF7B2C5}"/>
               </a:ext>
             </a:extLst>
           </p:cNvPr>
@@ -3019,7 +3019,7 @@
           <p:cNvPr id="11" name="文本框 10">
             <a:extLst>
               <a:ext uri="{FF2B5EF4-FFF2-40B4-BE49-F238E27FC236}">
-                <a16:creationId xmlns="" xmlns:a16="http://schemas.microsoft.com/office/drawing/2014/main" id="{65E5CD98-D6C1-1848-86A2-A50598B55139}"/>
+                <a16:creationId xmlns:a16="http://schemas.microsoft.com/office/drawing/2014/main" xmlns="" id="{65E5CD98-D6C1-1848-86A2-A50598B55139}"/>
               </a:ext>
             </a:extLst>
           </p:cNvPr>
@@ -3069,7 +3069,7 @@
           <p:cNvPr id="12" name="文本框 6">
             <a:extLst>
               <a:ext uri="{FF2B5EF4-FFF2-40B4-BE49-F238E27FC236}">
-                <a16:creationId xmlns="" xmlns:a16="http://schemas.microsoft.com/office/drawing/2014/main" id="{5F9E940D-7090-E94B-8B49-5CA1D127071A}"/>
+                <a16:creationId xmlns:a16="http://schemas.microsoft.com/office/drawing/2014/main" xmlns="" id="{5F9E940D-7090-E94B-8B49-5CA1D127071A}"/>
               </a:ext>
             </a:extLst>
           </p:cNvPr>
@@ -3119,7 +3119,7 @@
           <p:cNvPr id="13" name="文本框 6">
             <a:extLst>
               <a:ext uri="{FF2B5EF4-FFF2-40B4-BE49-F238E27FC236}">
-                <a16:creationId xmlns="" xmlns:a16="http://schemas.microsoft.com/office/drawing/2014/main" id="{BB9196A1-74E2-5046-99D0-EB0B468753EC}"/>
+                <a16:creationId xmlns:a16="http://schemas.microsoft.com/office/drawing/2014/main" xmlns="" id="{BB9196A1-74E2-5046-99D0-EB0B468753EC}"/>
               </a:ext>
             </a:extLst>
           </p:cNvPr>
@@ -4183,7 +4183,7 @@
           <p:cNvPr id="11" name="文本框 6">
             <a:extLst>
               <a:ext uri="{FF2B5EF4-FFF2-40B4-BE49-F238E27FC236}">
-                <a16:creationId xmlns="" xmlns:a16="http://schemas.microsoft.com/office/drawing/2014/main" id="{5D38C703-0535-2649-B4A0-B8F05CF7B2C5}"/>
+                <a16:creationId xmlns:a16="http://schemas.microsoft.com/office/drawing/2014/main" xmlns="" id="{5D38C703-0535-2649-B4A0-B8F05CF7B2C5}"/>
               </a:ext>
             </a:extLst>
           </p:cNvPr>
@@ -4233,7 +4233,7 @@
           <p:cNvPr id="12" name="文本框 11">
             <a:extLst>
               <a:ext uri="{FF2B5EF4-FFF2-40B4-BE49-F238E27FC236}">
-                <a16:creationId xmlns="" xmlns:a16="http://schemas.microsoft.com/office/drawing/2014/main" id="{65E5CD98-D6C1-1848-86A2-A50598B55139}"/>
+                <a16:creationId xmlns:a16="http://schemas.microsoft.com/office/drawing/2014/main" xmlns="" id="{65E5CD98-D6C1-1848-86A2-A50598B55139}"/>
               </a:ext>
             </a:extLst>
           </p:cNvPr>
@@ -4283,7 +4283,7 @@
           <p:cNvPr id="13" name="文本框 6">
             <a:extLst>
               <a:ext uri="{FF2B5EF4-FFF2-40B4-BE49-F238E27FC236}">
-                <a16:creationId xmlns="" xmlns:a16="http://schemas.microsoft.com/office/drawing/2014/main" id="{5F9E940D-7090-E94B-8B49-5CA1D127071A}"/>
+                <a16:creationId xmlns:a16="http://schemas.microsoft.com/office/drawing/2014/main" xmlns="" id="{5F9E940D-7090-E94B-8B49-5CA1D127071A}"/>
               </a:ext>
             </a:extLst>
           </p:cNvPr>
@@ -4333,7 +4333,7 @@
           <p:cNvPr id="14" name="文本框 6">
             <a:extLst>
               <a:ext uri="{FF2B5EF4-FFF2-40B4-BE49-F238E27FC236}">
-                <a16:creationId xmlns="" xmlns:a16="http://schemas.microsoft.com/office/drawing/2014/main" id="{BB9196A1-74E2-5046-99D0-EB0B468753EC}"/>
+                <a16:creationId xmlns:a16="http://schemas.microsoft.com/office/drawing/2014/main" xmlns="" id="{BB9196A1-74E2-5046-99D0-EB0B468753EC}"/>
               </a:ext>
             </a:extLst>
           </p:cNvPr>
@@ -5852,7 +5852,7 @@
           <p:cNvPr id="7" name="文本占位符 3">
             <a:extLst>
               <a:ext uri="{FF2B5EF4-FFF2-40B4-BE49-F238E27FC236}">
-                <a16:creationId xmlns:a16="http://schemas.microsoft.com/office/drawing/2014/main" xmlns="" id="{5BA5F626-1F8E-054A-918D-94622AD4EABF}"/>
+                <a16:creationId xmlns="" xmlns:a16="http://schemas.microsoft.com/office/drawing/2014/main" id="{5BA5F626-1F8E-054A-918D-94622AD4EABF}"/>
               </a:ext>
             </a:extLst>
           </p:cNvPr>
@@ -5941,7 +5941,7 @@
           <p:cNvPr id="8" name="文本占位符 3">
             <a:extLst>
               <a:ext uri="{FF2B5EF4-FFF2-40B4-BE49-F238E27FC236}">
-                <a16:creationId xmlns:a16="http://schemas.microsoft.com/office/drawing/2014/main" xmlns="" id="{5FCCDF54-3207-5346-9F95-0AC916F61892}"/>
+                <a16:creationId xmlns="" xmlns:a16="http://schemas.microsoft.com/office/drawing/2014/main" id="{5FCCDF54-3207-5346-9F95-0AC916F61892}"/>
               </a:ext>
             </a:extLst>
           </p:cNvPr>
@@ -6030,7 +6030,7 @@
           <p:cNvPr id="9" name="文本占位符 3">
             <a:extLst>
               <a:ext uri="{FF2B5EF4-FFF2-40B4-BE49-F238E27FC236}">
-                <a16:creationId xmlns:a16="http://schemas.microsoft.com/office/drawing/2014/main" xmlns="" id="{B191C670-839A-7542-ADC9-27051AC8F6B2}"/>
+                <a16:creationId xmlns="" xmlns:a16="http://schemas.microsoft.com/office/drawing/2014/main" id="{B191C670-839A-7542-ADC9-27051AC8F6B2}"/>
               </a:ext>
             </a:extLst>
           </p:cNvPr>
@@ -6119,7 +6119,7 @@
           <p:cNvPr id="10" name="文本框 6">
             <a:extLst>
               <a:ext uri="{FF2B5EF4-FFF2-40B4-BE49-F238E27FC236}">
-                <a16:creationId xmlns:a16="http://schemas.microsoft.com/office/drawing/2014/main" xmlns="" id="{CFFCA465-7096-CF48-82C4-BBF12BAED15D}"/>
+                <a16:creationId xmlns="" xmlns:a16="http://schemas.microsoft.com/office/drawing/2014/main" id="{CFFCA465-7096-CF48-82C4-BBF12BAED15D}"/>
               </a:ext>
             </a:extLst>
           </p:cNvPr>
@@ -6169,7 +6169,7 @@
           <p:cNvPr id="11" name="文本框 6">
             <a:extLst>
               <a:ext uri="{FF2B5EF4-FFF2-40B4-BE49-F238E27FC236}">
-                <a16:creationId xmlns:a16="http://schemas.microsoft.com/office/drawing/2014/main" xmlns="" id="{58BB7382-28F7-B140-99CA-079FE427AFED}"/>
+                <a16:creationId xmlns="" xmlns:a16="http://schemas.microsoft.com/office/drawing/2014/main" id="{58BB7382-28F7-B140-99CA-079FE427AFED}"/>
               </a:ext>
             </a:extLst>
           </p:cNvPr>
@@ -6219,7 +6219,7 @@
           <p:cNvPr id="12" name="文本框 6">
             <a:extLst>
               <a:ext uri="{FF2B5EF4-FFF2-40B4-BE49-F238E27FC236}">
-                <a16:creationId xmlns:a16="http://schemas.microsoft.com/office/drawing/2014/main" xmlns="" id="{6857E332-9933-9042-B7A8-9060834982B6}"/>
+                <a16:creationId xmlns="" xmlns:a16="http://schemas.microsoft.com/office/drawing/2014/main" id="{6857E332-9933-9042-B7A8-9060834982B6}"/>
               </a:ext>
             </a:extLst>
           </p:cNvPr>
@@ -6269,7 +6269,7 @@
           <p:cNvPr id="13" name="文本框 6">
             <a:extLst>
               <a:ext uri="{FF2B5EF4-FFF2-40B4-BE49-F238E27FC236}">
-                <a16:creationId xmlns:a16="http://schemas.microsoft.com/office/drawing/2014/main" xmlns="" id="{9708D859-D292-E44F-97EB-598216544539}"/>
+                <a16:creationId xmlns="" xmlns:a16="http://schemas.microsoft.com/office/drawing/2014/main" id="{9708D859-D292-E44F-97EB-598216544539}"/>
               </a:ext>
             </a:extLst>
           </p:cNvPr>
@@ -6319,7 +6319,7 @@
           <p:cNvPr id="14" name="文本占位符 3">
             <a:extLst>
               <a:ext uri="{FF2B5EF4-FFF2-40B4-BE49-F238E27FC236}">
-                <a16:creationId xmlns:a16="http://schemas.microsoft.com/office/drawing/2014/main" xmlns="" id="{61048211-379D-CD4C-8037-C4240B243345}"/>
+                <a16:creationId xmlns="" xmlns:a16="http://schemas.microsoft.com/office/drawing/2014/main" id="{61048211-379D-CD4C-8037-C4240B243345}"/>
               </a:ext>
             </a:extLst>
           </p:cNvPr>
@@ -7358,7 +7358,7 @@
           <p:cNvPr id="7" name="文本占位符 3">
             <a:extLst>
               <a:ext uri="{FF2B5EF4-FFF2-40B4-BE49-F238E27FC236}">
-                <a16:creationId xmlns="" xmlns:a16="http://schemas.microsoft.com/office/drawing/2014/main" id="{A74FB077-6AA3-0B43-AC21-EE33C7C61E10}"/>
+                <a16:creationId xmlns:a16="http://schemas.microsoft.com/office/drawing/2014/main" xmlns="" id="{A74FB077-6AA3-0B43-AC21-EE33C7C61E10}"/>
               </a:ext>
             </a:extLst>
           </p:cNvPr>
@@ -7441,7 +7441,7 @@
           <p:cNvPr id="8" name="文本占位符 3">
             <a:extLst>
               <a:ext uri="{FF2B5EF4-FFF2-40B4-BE49-F238E27FC236}">
-                <a16:creationId xmlns="" xmlns:a16="http://schemas.microsoft.com/office/drawing/2014/main" id="{AD89B8CD-8466-564E-98F9-0FDFC2E5A77B}"/>
+                <a16:creationId xmlns:a16="http://schemas.microsoft.com/office/drawing/2014/main" xmlns="" id="{AD89B8CD-8466-564E-98F9-0FDFC2E5A77B}"/>
               </a:ext>
             </a:extLst>
           </p:cNvPr>
@@ -7530,7 +7530,7 @@
           <p:cNvPr id="9" name="文本占位符 3">
             <a:extLst>
               <a:ext uri="{FF2B5EF4-FFF2-40B4-BE49-F238E27FC236}">
-                <a16:creationId xmlns="" xmlns:a16="http://schemas.microsoft.com/office/drawing/2014/main" id="{DC7420E9-D400-EC49-BA07-FADE6C3CD450}"/>
+                <a16:creationId xmlns:a16="http://schemas.microsoft.com/office/drawing/2014/main" xmlns="" id="{DC7420E9-D400-EC49-BA07-FADE6C3CD450}"/>
               </a:ext>
             </a:extLst>
           </p:cNvPr>
@@ -7619,7 +7619,7 @@
           <p:cNvPr id="10" name="文本占位符 3">
             <a:extLst>
               <a:ext uri="{FF2B5EF4-FFF2-40B4-BE49-F238E27FC236}">
-                <a16:creationId xmlns="" xmlns:a16="http://schemas.microsoft.com/office/drawing/2014/main" id="{911556EF-2E53-D44E-B558-5C114F0FAA7C}"/>
+                <a16:creationId xmlns:a16="http://schemas.microsoft.com/office/drawing/2014/main" xmlns="" id="{911556EF-2E53-D44E-B558-5C114F0FAA7C}"/>
               </a:ext>
             </a:extLst>
           </p:cNvPr>
@@ -7708,7 +7708,7 @@
           <p:cNvPr id="11" name="文本框 6">
             <a:extLst>
               <a:ext uri="{FF2B5EF4-FFF2-40B4-BE49-F238E27FC236}">
-                <a16:creationId xmlns="" xmlns:a16="http://schemas.microsoft.com/office/drawing/2014/main" id="{5D38C703-0535-2649-B4A0-B8F05CF7B2C5}"/>
+                <a16:creationId xmlns:a16="http://schemas.microsoft.com/office/drawing/2014/main" xmlns="" id="{5D38C703-0535-2649-B4A0-B8F05CF7B2C5}"/>
               </a:ext>
             </a:extLst>
           </p:cNvPr>
@@ -7758,7 +7758,7 @@
           <p:cNvPr id="12" name="文本框 6">
             <a:extLst>
               <a:ext uri="{FF2B5EF4-FFF2-40B4-BE49-F238E27FC236}">
-                <a16:creationId xmlns="" xmlns:a16="http://schemas.microsoft.com/office/drawing/2014/main" id="{65E5CD98-D6C1-1848-86A2-A50598B55139}"/>
+                <a16:creationId xmlns:a16="http://schemas.microsoft.com/office/drawing/2014/main" xmlns="" id="{65E5CD98-D6C1-1848-86A2-A50598B55139}"/>
               </a:ext>
             </a:extLst>
           </p:cNvPr>
@@ -7808,7 +7808,7 @@
           <p:cNvPr id="13" name="文本框 6">
             <a:extLst>
               <a:ext uri="{FF2B5EF4-FFF2-40B4-BE49-F238E27FC236}">
-                <a16:creationId xmlns="" xmlns:a16="http://schemas.microsoft.com/office/drawing/2014/main" id="{5F9E940D-7090-E94B-8B49-5CA1D127071A}"/>
+                <a16:creationId xmlns:a16="http://schemas.microsoft.com/office/drawing/2014/main" xmlns="" id="{5F9E940D-7090-E94B-8B49-5CA1D127071A}"/>
               </a:ext>
             </a:extLst>
           </p:cNvPr>
@@ -7858,7 +7858,7 @@
           <p:cNvPr id="14" name="文本框 6">
             <a:extLst>
               <a:ext uri="{FF2B5EF4-FFF2-40B4-BE49-F238E27FC236}">
-                <a16:creationId xmlns="" xmlns:a16="http://schemas.microsoft.com/office/drawing/2014/main" id="{BB9196A1-74E2-5046-99D0-EB0B468753EC}"/>
+                <a16:creationId xmlns:a16="http://schemas.microsoft.com/office/drawing/2014/main" xmlns="" id="{BB9196A1-74E2-5046-99D0-EB0B468753EC}"/>
               </a:ext>
             </a:extLst>
           </p:cNvPr>
@@ -7908,7 +7908,7 @@
           <p:cNvPr id="15" name="文本占位符 8">
             <a:extLst>
               <a:ext uri="{FF2B5EF4-FFF2-40B4-BE49-F238E27FC236}">
-                <a16:creationId xmlns="" xmlns:a16="http://schemas.microsoft.com/office/drawing/2014/main" id="{DC4E8E34-3460-3444-B72A-429476C3F597}"/>
+                <a16:creationId xmlns:a16="http://schemas.microsoft.com/office/drawing/2014/main" xmlns="" id="{DC4E8E34-3460-3444-B72A-429476C3F597}"/>
               </a:ext>
             </a:extLst>
           </p:cNvPr>
@@ -7974,7 +7974,7 @@
           <p:cNvPr id="16" name="文本占位符 8">
             <a:extLst>
               <a:ext uri="{FF2B5EF4-FFF2-40B4-BE49-F238E27FC236}">
-                <a16:creationId xmlns="" xmlns:a16="http://schemas.microsoft.com/office/drawing/2014/main" id="{993DB0B2-65A6-8C4E-BC99-5DD87B1ACE41}"/>
+                <a16:creationId xmlns:a16="http://schemas.microsoft.com/office/drawing/2014/main" xmlns="" id="{993DB0B2-65A6-8C4E-BC99-5DD87B1ACE41}"/>
               </a:ext>
             </a:extLst>
           </p:cNvPr>
@@ -8043,7 +8043,7 @@
           <p:cNvPr id="17" name="文本占位符 12">
             <a:extLst>
               <a:ext uri="{FF2B5EF4-FFF2-40B4-BE49-F238E27FC236}">
-                <a16:creationId xmlns="" xmlns:a16="http://schemas.microsoft.com/office/drawing/2014/main" id="{C20C845D-B437-B644-A0DC-11B9DDD011BE}"/>
+                <a16:creationId xmlns:a16="http://schemas.microsoft.com/office/drawing/2014/main" xmlns="" id="{C20C845D-B437-B644-A0DC-11B9DDD011BE}"/>
               </a:ext>
             </a:extLst>
           </p:cNvPr>
@@ -8714,8 +8714,8 @@
         </p:nvSpPr>
         <p:spPr>
           <a:xfrm>
-            <a:off x="1776000" y="1090343"/>
-            <a:ext cx="8640000" cy="1332000"/>
+            <a:off x="1056000" y="1090343"/>
+            <a:ext cx="10080000" cy="1332000"/>
           </a:xfrm>
           <a:prstGeom prst="rect">
             <a:avLst/>
@@ -8795,8 +8795,8 @@
         </p:nvSpPr>
         <p:spPr>
           <a:xfrm>
-            <a:off x="1776000" y="2618992"/>
-            <a:ext cx="8640000" cy="1141175"/>
+            <a:off x="1056000" y="2618992"/>
+            <a:ext cx="10080000" cy="1141175"/>
           </a:xfrm>
           <a:prstGeom prst="rect">
             <a:avLst/>

--- a/exam2pptvideo/de/templates/exam_german_classic.pptx
+++ b/exam2pptvideo/de/templates/exam_german_classic.pptx
@@ -194,7 +194,7 @@
           <a:p>
             <a:fld id="{B7A14DAC-E471-0241-9205-A16CCA3D031F}" type="datetimeFigureOut">
               <a:rPr kumimoji="1" lang="zh-CN" altLang="en-US" smtClean="0"/>
-              <a:t>2021/6/26</a:t>
+              <a:t>2021/8/7</a:t>
             </a:fld>
             <a:endParaRPr kumimoji="1" lang="zh-CN" altLang="en-US"/>
           </a:p>
@@ -258,38 +258,37 @@
           <a:p>
             <a:pPr lvl="0"/>
             <a:r>
-              <a:rPr kumimoji="1" lang="zh-CN" altLang="en-US" smtClean="0"/>
+              <a:rPr kumimoji="1" lang="zh-CN" altLang="en-US"/>
               <a:t>单击此处编辑母版文本样式</a:t>
             </a:r>
           </a:p>
           <a:p>
             <a:pPr lvl="1"/>
             <a:r>
-              <a:rPr kumimoji="1" lang="zh-CN" altLang="en-US" smtClean="0"/>
+              <a:rPr kumimoji="1" lang="zh-CN" altLang="en-US"/>
               <a:t>二级</a:t>
             </a:r>
           </a:p>
           <a:p>
             <a:pPr lvl="2"/>
             <a:r>
-              <a:rPr kumimoji="1" lang="zh-CN" altLang="en-US" smtClean="0"/>
+              <a:rPr kumimoji="1" lang="zh-CN" altLang="en-US"/>
               <a:t>三级</a:t>
             </a:r>
           </a:p>
           <a:p>
             <a:pPr lvl="3"/>
             <a:r>
-              <a:rPr kumimoji="1" lang="zh-CN" altLang="en-US" smtClean="0"/>
+              <a:rPr kumimoji="1" lang="zh-CN" altLang="en-US"/>
               <a:t>四级</a:t>
             </a:r>
           </a:p>
           <a:p>
             <a:pPr lvl="4"/>
             <a:r>
-              <a:rPr kumimoji="1" lang="zh-CN" altLang="en-US" smtClean="0"/>
+              <a:rPr kumimoji="1" lang="zh-CN" altLang="en-US"/>
               <a:t>五级</a:t>
             </a:r>
-            <a:endParaRPr kumimoji="1" lang="zh-CN" altLang="en-US"/>
           </a:p>
         </p:txBody>
       </p:sp>
@@ -597,27 +596,8 @@
                 <a:ea typeface="PingFang SC" charset="-122"/>
                 <a:cs typeface="PingFang SC" charset="-122"/>
               </a:rPr>
-              <a:t>八</a:t>
-            </a:r>
-            <a:r>
-              <a:rPr kumimoji="1" lang="zh-CN" altLang="en-US" sz="3200" dirty="0" smtClean="0">
-                <a:solidFill>
-                  <a:srgbClr val="E0E0E0"/>
-                </a:solidFill>
-                <a:latin typeface="PingFang SC" charset="-122"/>
-                <a:ea typeface="PingFang SC" charset="-122"/>
-                <a:cs typeface="PingFang SC" charset="-122"/>
-              </a:rPr>
-              <a:t>啾学德语</a:t>
-            </a:r>
-            <a:endParaRPr kumimoji="1" lang="zh-CN" altLang="en-US" sz="3200" dirty="0">
-              <a:solidFill>
-                <a:srgbClr val="E0E0E0"/>
-              </a:solidFill>
-              <a:latin typeface="PingFang SC" charset="-122"/>
-              <a:ea typeface="PingFang SC" charset="-122"/>
-              <a:cs typeface="PingFang SC" charset="-122"/>
-            </a:endParaRPr>
+              <a:t>八啾学德语</a:t>
+            </a:r>
           </a:p>
         </p:txBody>
       </p:sp>
@@ -680,10 +660,9 @@
               <a:defRPr/>
             </a:pPr>
             <a:r>
-              <a:rPr kumimoji="1" lang="zh-CN" altLang="en-US" dirty="0" smtClean="0"/>
+              <a:rPr kumimoji="1" lang="zh-CN" altLang="en-US" dirty="0"/>
               <a:t>这里是标题</a:t>
             </a:r>
-            <a:endParaRPr kumimoji="1" lang="zh-CN" altLang="en-US" dirty="0"/>
           </a:p>
         </p:txBody>
       </p:sp>
@@ -757,13 +736,6 @@
   <p:clrMapOvr>
     <a:masterClrMapping/>
   </p:clrMapOvr>
-  <p:timing>
-    <p:tnLst>
-      <p:par>
-        <p:cTn id="1" dur="indefinite" restart="never" nodeType="tmRoot"/>
-      </p:par>
-    </p:tnLst>
-  </p:timing>
 </p:sldLayout>
 </file>
 
@@ -838,7 +810,7 @@
               <a:defRPr/>
             </a:pPr>
             <a:r>
-              <a:rPr kumimoji="1" lang="en-US" altLang="zh-CN" dirty="0" smtClean="0"/>
+              <a:rPr kumimoji="1" lang="en-US" altLang="zh-CN" dirty="0"/>
               <a:t>Q.1</a:t>
             </a:r>
             <a:endParaRPr kumimoji="1" lang="zh-CN" altLang="en-US" dirty="0"/>
@@ -948,10 +920,9 @@
           <a:p>
             <a:pPr lvl="0"/>
             <a:r>
-              <a:rPr kumimoji="1" lang="zh-CN" altLang="en-US" dirty="0" smtClean="0"/>
+              <a:rPr kumimoji="1" lang="zh-CN" altLang="en-US" dirty="0"/>
               <a:t>球</a:t>
             </a:r>
-            <a:endParaRPr kumimoji="1" lang="zh-CN" altLang="en-US" dirty="0"/>
           </a:p>
         </p:txBody>
       </p:sp>
@@ -1056,26 +1027,25 @@
           <a:p>
             <a:pPr lvl="0"/>
             <a:r>
-              <a:rPr kumimoji="1" lang="zh-CN" altLang="en-US" dirty="0" smtClean="0"/>
+              <a:rPr kumimoji="1" lang="zh-CN" altLang="en-US" dirty="0"/>
               <a:t>考点：</a:t>
             </a:r>
             <a:r>
-              <a:rPr kumimoji="1" lang="en-US" altLang="zh-CN" dirty="0" smtClean="0"/>
+              <a:rPr kumimoji="1" lang="en-US" altLang="zh-CN" dirty="0"/>
               <a:t>A2</a:t>
             </a:r>
             <a:r>
-              <a:rPr kumimoji="1" lang="zh-CN" altLang="en-US" dirty="0" smtClean="0"/>
+              <a:rPr kumimoji="1" lang="zh-CN" altLang="en-US" dirty="0"/>
               <a:t> </a:t>
             </a:r>
             <a:r>
-              <a:rPr kumimoji="1" lang="en-US" altLang="zh-CN" dirty="0" smtClean="0"/>
+              <a:rPr kumimoji="1" lang="en-US" altLang="zh-CN" dirty="0"/>
               <a:t>–</a:t>
             </a:r>
             <a:r>
-              <a:rPr kumimoji="1" lang="zh-CN" altLang="en-US" dirty="0" smtClean="0"/>
+              <a:rPr kumimoji="1" lang="zh-CN" altLang="en-US" dirty="0"/>
               <a:t> 运动</a:t>
             </a:r>
-            <a:endParaRPr kumimoji="1" lang="zh-CN" altLang="en-US" dirty="0"/>
           </a:p>
         </p:txBody>
       </p:sp>
@@ -1089,13 +1059,6 @@
   <p:clrMapOvr>
     <a:masterClrMapping/>
   </p:clrMapOvr>
-  <p:timing>
-    <p:tnLst>
-      <p:par>
-        <p:cTn id="1" dur="indefinite" restart="never" nodeType="tmRoot"/>
-      </p:par>
-    </p:tnLst>
-  </p:timing>
 </p:sldLayout>
 </file>
 
@@ -1170,7 +1133,7 @@
               <a:defRPr/>
             </a:pPr>
             <a:r>
-              <a:rPr kumimoji="1" lang="en-US" altLang="zh-CN" dirty="0" smtClean="0"/>
+              <a:rPr kumimoji="1" lang="en-US" altLang="zh-CN" dirty="0"/>
               <a:t>Q.1</a:t>
             </a:r>
             <a:endParaRPr kumimoji="1" lang="zh-CN" altLang="en-US" dirty="0"/>
@@ -1263,7 +1226,7 @@
           <a:p>
             <a:pPr lvl="0"/>
             <a:r>
-              <a:rPr kumimoji="1" lang="en-US" altLang="zh-CN" smtClean="0"/>
+              <a:rPr kumimoji="1" lang="en-US" altLang="zh-CN"/>
               <a:t>A</a:t>
             </a:r>
             <a:endParaRPr kumimoji="1" lang="zh-CN" altLang="en-US" dirty="0"/>
@@ -1361,11 +1324,11 @@
           <a:p>
             <a:pPr lvl="0"/>
             <a:r>
-              <a:rPr kumimoji="1" lang="zh-CN" altLang="en-US" dirty="0" smtClean="0"/>
+              <a:rPr kumimoji="1" lang="zh-CN" altLang="en-US" dirty="0"/>
               <a:t>球 </a:t>
             </a:r>
             <a:r>
-              <a:rPr kumimoji="1" lang="en-US" altLang="zh-CN" dirty="0" smtClean="0"/>
+              <a:rPr kumimoji="1" lang="en-US" altLang="zh-CN" dirty="0"/>
               <a:t>ball</a:t>
             </a:r>
             <a:endParaRPr kumimoji="1" lang="zh-CN" altLang="en-US" dirty="0"/>
@@ -1458,18 +1421,17 @@
           <a:p>
             <a:pPr lvl="0"/>
             <a:r>
-              <a:rPr kumimoji="1" lang="zh-CN" altLang="en-US" dirty="0" smtClean="0"/>
+              <a:rPr kumimoji="1" lang="zh-CN" altLang="en-US" dirty="0"/>
               <a:t>考点：</a:t>
             </a:r>
             <a:r>
-              <a:rPr kumimoji="1" lang="en-US" altLang="zh-CN" dirty="0" smtClean="0"/>
+              <a:rPr kumimoji="1" lang="en-US" altLang="zh-CN" dirty="0"/>
               <a:t>A1-</a:t>
             </a:r>
             <a:r>
-              <a:rPr kumimoji="1" lang="zh-CN" altLang="en-US" dirty="0" smtClean="0"/>
+              <a:rPr kumimoji="1" lang="zh-CN" altLang="en-US" dirty="0"/>
               <a:t>运动</a:t>
             </a:r>
-            <a:endParaRPr kumimoji="1" lang="zh-CN" altLang="en-US" dirty="0"/>
           </a:p>
         </p:txBody>
       </p:sp>
@@ -1694,7 +1656,7 @@
           <p:cNvPr id="11" name="文本框 6">
             <a:extLst>
               <a:ext uri="{FF2B5EF4-FFF2-40B4-BE49-F238E27FC236}">
-                <a16:creationId xmlns:a16="http://schemas.microsoft.com/office/drawing/2014/main" xmlns="" id="{5D38C703-0535-2649-B4A0-B8F05CF7B2C5}"/>
+                <a16:creationId xmlns:a16="http://schemas.microsoft.com/office/drawing/2014/main" id="{5D38C703-0535-2649-B4A0-B8F05CF7B2C5}"/>
               </a:ext>
             </a:extLst>
           </p:cNvPr>
@@ -1744,7 +1706,7 @@
           <p:cNvPr id="12" name="文本框 11">
             <a:extLst>
               <a:ext uri="{FF2B5EF4-FFF2-40B4-BE49-F238E27FC236}">
-                <a16:creationId xmlns:a16="http://schemas.microsoft.com/office/drawing/2014/main" xmlns="" id="{65E5CD98-D6C1-1848-86A2-A50598B55139}"/>
+                <a16:creationId xmlns:a16="http://schemas.microsoft.com/office/drawing/2014/main" id="{65E5CD98-D6C1-1848-86A2-A50598B55139}"/>
               </a:ext>
             </a:extLst>
           </p:cNvPr>
@@ -1794,7 +1756,7 @@
           <p:cNvPr id="13" name="文本框 6">
             <a:extLst>
               <a:ext uri="{FF2B5EF4-FFF2-40B4-BE49-F238E27FC236}">
-                <a16:creationId xmlns:a16="http://schemas.microsoft.com/office/drawing/2014/main" xmlns="" id="{5F9E940D-7090-E94B-8B49-5CA1D127071A}"/>
+                <a16:creationId xmlns:a16="http://schemas.microsoft.com/office/drawing/2014/main" id="{5F9E940D-7090-E94B-8B49-5CA1D127071A}"/>
               </a:ext>
             </a:extLst>
           </p:cNvPr>
@@ -1844,7 +1806,7 @@
           <p:cNvPr id="14" name="文本框 6">
             <a:extLst>
               <a:ext uri="{FF2B5EF4-FFF2-40B4-BE49-F238E27FC236}">
-                <a16:creationId xmlns:a16="http://schemas.microsoft.com/office/drawing/2014/main" xmlns="" id="{BB9196A1-74E2-5046-99D0-EB0B468753EC}"/>
+                <a16:creationId xmlns:a16="http://schemas.microsoft.com/office/drawing/2014/main" id="{BB9196A1-74E2-5046-99D0-EB0B468753EC}"/>
               </a:ext>
             </a:extLst>
           </p:cNvPr>
@@ -1977,30 +1939,29 @@
           <a:p>
             <a:pPr lvl="0"/>
             <a:r>
-              <a:rPr kumimoji="1" lang="en-US" altLang="zh-CN" dirty="0" smtClean="0"/>
+              <a:rPr kumimoji="1" lang="en-US" altLang="zh-CN" dirty="0"/>
               <a:t>Choice</a:t>
             </a:r>
             <a:r>
-              <a:rPr kumimoji="1" lang="zh-CN" altLang="en-US" dirty="0" smtClean="0"/>
+              <a:rPr kumimoji="1" lang="zh-CN" altLang="en-US" dirty="0"/>
               <a:t> </a:t>
             </a:r>
             <a:r>
-              <a:rPr kumimoji="1" lang="en-US" altLang="zh-CN" dirty="0" smtClean="0"/>
+              <a:rPr kumimoji="1" lang="en-US" altLang="zh-CN" dirty="0"/>
               <a:t>A</a:t>
             </a:r>
             <a:r>
-              <a:rPr kumimoji="1" lang="zh-CN" altLang="en-US" dirty="0" smtClean="0"/>
+              <a:rPr kumimoji="1" lang="zh-CN" altLang="en-US" dirty="0"/>
               <a:t> </a:t>
             </a:r>
             <a:r>
-              <a:rPr kumimoji="1" lang="en-US" altLang="zh-CN" dirty="0" smtClean="0"/>
+              <a:rPr kumimoji="1" lang="en-US" altLang="zh-CN" dirty="0"/>
               <a:t>+</a:t>
             </a:r>
             <a:r>
-              <a:rPr kumimoji="1" lang="zh-CN" altLang="en-US" dirty="0" smtClean="0"/>
+              <a:rPr kumimoji="1" lang="zh-CN" altLang="en-US" dirty="0"/>
               <a:t> 释义</a:t>
             </a:r>
-            <a:endParaRPr kumimoji="1" lang="zh-CN" altLang="en-US" dirty="0"/>
           </a:p>
         </p:txBody>
       </p:sp>
@@ -2092,30 +2053,29 @@
           <a:p>
             <a:pPr lvl="0"/>
             <a:r>
-              <a:rPr kumimoji="1" lang="en-US" altLang="zh-CN" dirty="0" smtClean="0"/>
+              <a:rPr kumimoji="1" lang="en-US" altLang="zh-CN" dirty="0"/>
               <a:t>Choice</a:t>
             </a:r>
             <a:r>
-              <a:rPr kumimoji="1" lang="zh-CN" altLang="en-US" dirty="0" smtClean="0"/>
+              <a:rPr kumimoji="1" lang="zh-CN" altLang="en-US" dirty="0"/>
               <a:t> </a:t>
             </a:r>
             <a:r>
-              <a:rPr kumimoji="1" lang="en-US" altLang="zh-CN" dirty="0" smtClean="0"/>
+              <a:rPr kumimoji="1" lang="en-US" altLang="zh-CN" dirty="0"/>
               <a:t>B</a:t>
             </a:r>
             <a:r>
-              <a:rPr kumimoji="1" lang="zh-CN" altLang="en-US" dirty="0" smtClean="0"/>
+              <a:rPr kumimoji="1" lang="zh-CN" altLang="en-US" dirty="0"/>
               <a:t> </a:t>
             </a:r>
             <a:r>
-              <a:rPr kumimoji="1" lang="en-US" altLang="zh-CN" dirty="0" smtClean="0"/>
+              <a:rPr kumimoji="1" lang="en-US" altLang="zh-CN" dirty="0"/>
               <a:t>+</a:t>
             </a:r>
             <a:r>
-              <a:rPr kumimoji="1" lang="zh-CN" altLang="en-US" dirty="0" smtClean="0"/>
+              <a:rPr kumimoji="1" lang="zh-CN" altLang="en-US" dirty="0"/>
               <a:t> 释义</a:t>
             </a:r>
-            <a:endParaRPr kumimoji="1" lang="zh-CN" altLang="en-US" dirty="0"/>
           </a:p>
         </p:txBody>
       </p:sp>
@@ -2207,30 +2167,29 @@
           <a:p>
             <a:pPr lvl="0"/>
             <a:r>
-              <a:rPr kumimoji="1" lang="en-US" altLang="zh-CN" dirty="0" smtClean="0"/>
+              <a:rPr kumimoji="1" lang="en-US" altLang="zh-CN" dirty="0"/>
               <a:t>Choice</a:t>
             </a:r>
             <a:r>
-              <a:rPr kumimoji="1" lang="zh-CN" altLang="en-US" dirty="0" smtClean="0"/>
+              <a:rPr kumimoji="1" lang="zh-CN" altLang="en-US" dirty="0"/>
               <a:t> </a:t>
             </a:r>
             <a:r>
-              <a:rPr kumimoji="1" lang="en-US" altLang="zh-CN" dirty="0" smtClean="0"/>
+              <a:rPr kumimoji="1" lang="en-US" altLang="zh-CN" dirty="0"/>
               <a:t>C</a:t>
             </a:r>
             <a:r>
-              <a:rPr kumimoji="1" lang="zh-CN" altLang="en-US" dirty="0" smtClean="0"/>
+              <a:rPr kumimoji="1" lang="zh-CN" altLang="en-US" dirty="0"/>
               <a:t> </a:t>
             </a:r>
             <a:r>
-              <a:rPr kumimoji="1" lang="en-US" altLang="zh-CN" dirty="0" smtClean="0"/>
+              <a:rPr kumimoji="1" lang="en-US" altLang="zh-CN" dirty="0"/>
               <a:t>+</a:t>
             </a:r>
             <a:r>
-              <a:rPr kumimoji="1" lang="zh-CN" altLang="en-US" dirty="0" smtClean="0"/>
+              <a:rPr kumimoji="1" lang="zh-CN" altLang="en-US" dirty="0"/>
               <a:t> 释义</a:t>
             </a:r>
-            <a:endParaRPr kumimoji="1" lang="zh-CN" altLang="en-US" dirty="0"/>
           </a:p>
         </p:txBody>
       </p:sp>
@@ -2322,30 +2281,29 @@
           <a:p>
             <a:pPr lvl="0"/>
             <a:r>
-              <a:rPr kumimoji="1" lang="en-US" altLang="zh-CN" dirty="0" smtClean="0"/>
+              <a:rPr kumimoji="1" lang="en-US" altLang="zh-CN" dirty="0"/>
               <a:t>Choice</a:t>
             </a:r>
             <a:r>
-              <a:rPr kumimoji="1" lang="zh-CN" altLang="en-US" dirty="0" smtClean="0"/>
+              <a:rPr kumimoji="1" lang="zh-CN" altLang="en-US" dirty="0"/>
               <a:t> </a:t>
             </a:r>
             <a:r>
-              <a:rPr kumimoji="1" lang="en-US" altLang="zh-CN" dirty="0" smtClean="0"/>
+              <a:rPr kumimoji="1" lang="en-US" altLang="zh-CN" dirty="0"/>
               <a:t>D</a:t>
             </a:r>
             <a:r>
-              <a:rPr kumimoji="1" lang="zh-CN" altLang="en-US" dirty="0" smtClean="0"/>
+              <a:rPr kumimoji="1" lang="zh-CN" altLang="en-US" dirty="0"/>
               <a:t> </a:t>
             </a:r>
             <a:r>
-              <a:rPr kumimoji="1" lang="en-US" altLang="zh-CN" dirty="0" smtClean="0"/>
+              <a:rPr kumimoji="1" lang="en-US" altLang="zh-CN" dirty="0"/>
               <a:t>+</a:t>
             </a:r>
             <a:r>
-              <a:rPr kumimoji="1" lang="zh-CN" altLang="en-US" dirty="0" smtClean="0"/>
+              <a:rPr kumimoji="1" lang="zh-CN" altLang="en-US" dirty="0"/>
               <a:t> 释义</a:t>
             </a:r>
-            <a:endParaRPr kumimoji="1" lang="zh-CN" altLang="en-US" dirty="0"/>
           </a:p>
         </p:txBody>
       </p:sp>
@@ -2389,7 +2347,7 @@
               <a:defRPr/>
             </a:pPr>
             <a:r>
-              <a:rPr kumimoji="1" lang="zh-CN" altLang="en-US" sz="2000" b="0" i="0" u="none" strike="noStrike" kern="1200" cap="none" spc="0" normalizeH="0" baseline="0" noProof="0" dirty="0" smtClean="0">
+              <a:rPr kumimoji="1" lang="zh-CN" altLang="en-US" sz="2000" b="0" i="0" u="none" strike="noStrike" kern="1200" cap="none" spc="0" normalizeH="0" baseline="0" noProof="0" dirty="0">
                 <a:ln>
                   <a:noFill/>
                 </a:ln>
@@ -2426,13 +2384,6 @@
   <p:clrMapOvr>
     <a:masterClrMapping/>
   </p:clrMapOvr>
-  <p:timing>
-    <p:tnLst>
-      <p:par>
-        <p:cTn id="1" dur="indefinite" restart="never" nodeType="tmRoot"/>
-      </p:par>
-    </p:tnLst>
-  </p:timing>
 </p:sldLayout>
 </file>
 
@@ -2507,7 +2458,7 @@
               <a:defRPr/>
             </a:pPr>
             <a:r>
-              <a:rPr kumimoji="1" lang="en-US" altLang="zh-CN" dirty="0" smtClean="0"/>
+              <a:rPr kumimoji="1" lang="en-US" altLang="zh-CN" dirty="0"/>
               <a:t>Q.1</a:t>
             </a:r>
             <a:endParaRPr kumimoji="1" lang="zh-CN" altLang="en-US" dirty="0"/>
@@ -2617,10 +2568,9 @@
           <a:p>
             <a:pPr lvl="0"/>
             <a:r>
-              <a:rPr kumimoji="1" lang="zh-CN" altLang="en-US" dirty="0" smtClean="0"/>
+              <a:rPr kumimoji="1" lang="zh-CN" altLang="en-US" dirty="0"/>
               <a:t>球</a:t>
             </a:r>
-            <a:endParaRPr kumimoji="1" lang="zh-CN" altLang="en-US" dirty="0"/>
           </a:p>
         </p:txBody>
       </p:sp>
@@ -2725,26 +2675,25 @@
           <a:p>
             <a:pPr lvl="0"/>
             <a:r>
-              <a:rPr kumimoji="1" lang="zh-CN" altLang="en-US" dirty="0" smtClean="0"/>
+              <a:rPr kumimoji="1" lang="zh-CN" altLang="en-US" dirty="0"/>
               <a:t>考点：</a:t>
             </a:r>
             <a:r>
-              <a:rPr kumimoji="1" lang="en-US" altLang="zh-CN" dirty="0" smtClean="0"/>
+              <a:rPr kumimoji="1" lang="en-US" altLang="zh-CN" dirty="0"/>
               <a:t>A2</a:t>
             </a:r>
             <a:r>
-              <a:rPr kumimoji="1" lang="zh-CN" altLang="en-US" dirty="0" smtClean="0"/>
+              <a:rPr kumimoji="1" lang="zh-CN" altLang="en-US" dirty="0"/>
               <a:t> </a:t>
             </a:r>
             <a:r>
-              <a:rPr kumimoji="1" lang="en-US" altLang="zh-CN" dirty="0" smtClean="0"/>
+              <a:rPr kumimoji="1" lang="en-US" altLang="zh-CN" dirty="0"/>
               <a:t>–</a:t>
             </a:r>
             <a:r>
-              <a:rPr kumimoji="1" lang="zh-CN" altLang="en-US" dirty="0" smtClean="0"/>
+              <a:rPr kumimoji="1" lang="zh-CN" altLang="en-US" dirty="0"/>
               <a:t> 运动</a:t>
             </a:r>
-            <a:endParaRPr kumimoji="1" lang="zh-CN" altLang="en-US" dirty="0"/>
           </a:p>
         </p:txBody>
       </p:sp>
@@ -2969,7 +2918,7 @@
           <p:cNvPr id="10" name="文本框 6">
             <a:extLst>
               <a:ext uri="{FF2B5EF4-FFF2-40B4-BE49-F238E27FC236}">
-                <a16:creationId xmlns:a16="http://schemas.microsoft.com/office/drawing/2014/main" xmlns="" id="{5D38C703-0535-2649-B4A0-B8F05CF7B2C5}"/>
+                <a16:creationId xmlns:a16="http://schemas.microsoft.com/office/drawing/2014/main" id="{5D38C703-0535-2649-B4A0-B8F05CF7B2C5}"/>
               </a:ext>
             </a:extLst>
           </p:cNvPr>
@@ -3019,7 +2968,7 @@
           <p:cNvPr id="11" name="文本框 10">
             <a:extLst>
               <a:ext uri="{FF2B5EF4-FFF2-40B4-BE49-F238E27FC236}">
-                <a16:creationId xmlns:a16="http://schemas.microsoft.com/office/drawing/2014/main" xmlns="" id="{65E5CD98-D6C1-1848-86A2-A50598B55139}"/>
+                <a16:creationId xmlns:a16="http://schemas.microsoft.com/office/drawing/2014/main" id="{65E5CD98-D6C1-1848-86A2-A50598B55139}"/>
               </a:ext>
             </a:extLst>
           </p:cNvPr>
@@ -3069,7 +3018,7 @@
           <p:cNvPr id="12" name="文本框 6">
             <a:extLst>
               <a:ext uri="{FF2B5EF4-FFF2-40B4-BE49-F238E27FC236}">
-                <a16:creationId xmlns:a16="http://schemas.microsoft.com/office/drawing/2014/main" xmlns="" id="{5F9E940D-7090-E94B-8B49-5CA1D127071A}"/>
+                <a16:creationId xmlns:a16="http://schemas.microsoft.com/office/drawing/2014/main" id="{5F9E940D-7090-E94B-8B49-5CA1D127071A}"/>
               </a:ext>
             </a:extLst>
           </p:cNvPr>
@@ -3119,7 +3068,7 @@
           <p:cNvPr id="13" name="文本框 6">
             <a:extLst>
               <a:ext uri="{FF2B5EF4-FFF2-40B4-BE49-F238E27FC236}">
-                <a16:creationId xmlns:a16="http://schemas.microsoft.com/office/drawing/2014/main" xmlns="" id="{BB9196A1-74E2-5046-99D0-EB0B468753EC}"/>
+                <a16:creationId xmlns:a16="http://schemas.microsoft.com/office/drawing/2014/main" id="{BB9196A1-74E2-5046-99D0-EB0B468753EC}"/>
               </a:ext>
             </a:extLst>
           </p:cNvPr>
@@ -3250,15 +3199,15 @@
           <a:p>
             <a:pPr lvl="0"/>
             <a:r>
-              <a:rPr kumimoji="1" lang="en-US" altLang="zh-CN" dirty="0" smtClean="0"/>
+              <a:rPr kumimoji="1" lang="en-US" altLang="zh-CN" dirty="0"/>
               <a:t>Choice</a:t>
             </a:r>
             <a:r>
-              <a:rPr kumimoji="1" lang="zh-CN" altLang="en-US" dirty="0" smtClean="0"/>
+              <a:rPr kumimoji="1" lang="zh-CN" altLang="en-US" dirty="0"/>
               <a:t> </a:t>
             </a:r>
             <a:r>
-              <a:rPr kumimoji="1" lang="en-US" altLang="zh-CN" dirty="0" smtClean="0"/>
+              <a:rPr kumimoji="1" lang="en-US" altLang="zh-CN" dirty="0"/>
               <a:t>A</a:t>
             </a:r>
             <a:endParaRPr kumimoji="1" lang="zh-CN" altLang="en-US" dirty="0"/>
@@ -3351,15 +3300,15 @@
           <a:p>
             <a:pPr lvl="0"/>
             <a:r>
-              <a:rPr kumimoji="1" lang="en-US" altLang="zh-CN" dirty="0" smtClean="0"/>
+              <a:rPr kumimoji="1" lang="en-US" altLang="zh-CN" dirty="0"/>
               <a:t>Choice</a:t>
             </a:r>
             <a:r>
-              <a:rPr kumimoji="1" lang="zh-CN" altLang="en-US" dirty="0" smtClean="0"/>
+              <a:rPr kumimoji="1" lang="zh-CN" altLang="en-US" dirty="0"/>
               <a:t> </a:t>
             </a:r>
             <a:r>
-              <a:rPr kumimoji="1" lang="en-US" altLang="zh-CN" dirty="0" smtClean="0"/>
+              <a:rPr kumimoji="1" lang="en-US" altLang="zh-CN" dirty="0"/>
               <a:t>B</a:t>
             </a:r>
             <a:endParaRPr kumimoji="1" lang="zh-CN" altLang="en-US" dirty="0"/>
@@ -3452,15 +3401,15 @@
           <a:p>
             <a:pPr lvl="0"/>
             <a:r>
-              <a:rPr kumimoji="1" lang="en-US" altLang="zh-CN" dirty="0" smtClean="0"/>
+              <a:rPr kumimoji="1" lang="en-US" altLang="zh-CN" dirty="0"/>
               <a:t>Choice</a:t>
             </a:r>
             <a:r>
-              <a:rPr kumimoji="1" lang="zh-CN" altLang="en-US" dirty="0" smtClean="0"/>
+              <a:rPr kumimoji="1" lang="zh-CN" altLang="en-US" dirty="0"/>
               <a:t> </a:t>
             </a:r>
             <a:r>
-              <a:rPr kumimoji="1" lang="en-US" altLang="zh-CN" dirty="0" smtClean="0"/>
+              <a:rPr kumimoji="1" lang="en-US" altLang="zh-CN" dirty="0"/>
               <a:t>C</a:t>
             </a:r>
             <a:endParaRPr kumimoji="1" lang="zh-CN" altLang="en-US" dirty="0"/>
@@ -3553,15 +3502,15 @@
           <a:p>
             <a:pPr lvl="0"/>
             <a:r>
-              <a:rPr kumimoji="1" lang="en-US" altLang="zh-CN" dirty="0" smtClean="0"/>
+              <a:rPr kumimoji="1" lang="en-US" altLang="zh-CN" dirty="0"/>
               <a:t>Choice</a:t>
             </a:r>
             <a:r>
-              <a:rPr kumimoji="1" lang="zh-CN" altLang="en-US" dirty="0" smtClean="0"/>
+              <a:rPr kumimoji="1" lang="zh-CN" altLang="en-US" dirty="0"/>
               <a:t> </a:t>
             </a:r>
             <a:r>
-              <a:rPr kumimoji="1" lang="en-US" altLang="zh-CN" dirty="0" smtClean="0"/>
+              <a:rPr kumimoji="1" lang="en-US" altLang="zh-CN" dirty="0"/>
               <a:t>D</a:t>
             </a:r>
             <a:endParaRPr kumimoji="1" lang="zh-CN" altLang="en-US" dirty="0"/>
@@ -3578,13 +3527,6 @@
   <p:clrMapOvr>
     <a:masterClrMapping/>
   </p:clrMapOvr>
-  <p:timing>
-    <p:tnLst>
-      <p:par>
-        <p:cTn id="1" dur="indefinite" restart="never" nodeType="tmRoot"/>
-      </p:par>
-    </p:tnLst>
-  </p:timing>
 </p:sldLayout>
 </file>
 
@@ -3659,7 +3601,7 @@
               <a:defRPr/>
             </a:pPr>
             <a:r>
-              <a:rPr kumimoji="1" lang="en-US" altLang="zh-CN" dirty="0" smtClean="0"/>
+              <a:rPr kumimoji="1" lang="en-US" altLang="zh-CN" dirty="0"/>
               <a:t>Q.1</a:t>
             </a:r>
             <a:endParaRPr kumimoji="1" lang="zh-CN" altLang="en-US" dirty="0"/>
@@ -3752,7 +3694,7 @@
           <a:p>
             <a:pPr lvl="0"/>
             <a:r>
-              <a:rPr kumimoji="1" lang="en-US" altLang="zh-CN" dirty="0" smtClean="0"/>
+              <a:rPr kumimoji="1" lang="en-US" altLang="zh-CN" dirty="0"/>
               <a:t>A</a:t>
             </a:r>
             <a:endParaRPr kumimoji="1" lang="zh-CN" altLang="en-US" dirty="0"/>
@@ -3850,11 +3792,11 @@
           <a:p>
             <a:pPr lvl="0"/>
             <a:r>
-              <a:rPr kumimoji="1" lang="zh-CN" altLang="en-US" dirty="0" smtClean="0"/>
+              <a:rPr kumimoji="1" lang="zh-CN" altLang="en-US" dirty="0"/>
               <a:t>球 </a:t>
             </a:r>
             <a:r>
-              <a:rPr kumimoji="1" lang="en-US" altLang="zh-CN" dirty="0" smtClean="0"/>
+              <a:rPr kumimoji="1" lang="en-US" altLang="zh-CN" dirty="0"/>
               <a:t>ball</a:t>
             </a:r>
             <a:endParaRPr kumimoji="1" lang="zh-CN" altLang="en-US" dirty="0"/>
@@ -3947,18 +3889,17 @@
           <a:p>
             <a:pPr lvl="0"/>
             <a:r>
-              <a:rPr kumimoji="1" lang="zh-CN" altLang="en-US" dirty="0" smtClean="0"/>
+              <a:rPr kumimoji="1" lang="zh-CN" altLang="en-US" dirty="0"/>
               <a:t>考点：</a:t>
             </a:r>
             <a:r>
-              <a:rPr kumimoji="1" lang="en-US" altLang="zh-CN" dirty="0" smtClean="0"/>
+              <a:rPr kumimoji="1" lang="en-US" altLang="zh-CN" dirty="0"/>
               <a:t>A1-</a:t>
             </a:r>
             <a:r>
-              <a:rPr kumimoji="1" lang="zh-CN" altLang="en-US" dirty="0" smtClean="0"/>
+              <a:rPr kumimoji="1" lang="zh-CN" altLang="en-US" dirty="0"/>
               <a:t>运动</a:t>
             </a:r>
-            <a:endParaRPr kumimoji="1" lang="zh-CN" altLang="en-US" dirty="0"/>
           </a:p>
         </p:txBody>
       </p:sp>
@@ -4183,7 +4124,7 @@
           <p:cNvPr id="11" name="文本框 6">
             <a:extLst>
               <a:ext uri="{FF2B5EF4-FFF2-40B4-BE49-F238E27FC236}">
-                <a16:creationId xmlns:a16="http://schemas.microsoft.com/office/drawing/2014/main" xmlns="" id="{5D38C703-0535-2649-B4A0-B8F05CF7B2C5}"/>
+                <a16:creationId xmlns:a16="http://schemas.microsoft.com/office/drawing/2014/main" id="{5D38C703-0535-2649-B4A0-B8F05CF7B2C5}"/>
               </a:ext>
             </a:extLst>
           </p:cNvPr>
@@ -4233,7 +4174,7 @@
           <p:cNvPr id="12" name="文本框 11">
             <a:extLst>
               <a:ext uri="{FF2B5EF4-FFF2-40B4-BE49-F238E27FC236}">
-                <a16:creationId xmlns:a16="http://schemas.microsoft.com/office/drawing/2014/main" xmlns="" id="{65E5CD98-D6C1-1848-86A2-A50598B55139}"/>
+                <a16:creationId xmlns:a16="http://schemas.microsoft.com/office/drawing/2014/main" id="{65E5CD98-D6C1-1848-86A2-A50598B55139}"/>
               </a:ext>
             </a:extLst>
           </p:cNvPr>
@@ -4283,7 +4224,7 @@
           <p:cNvPr id="13" name="文本框 6">
             <a:extLst>
               <a:ext uri="{FF2B5EF4-FFF2-40B4-BE49-F238E27FC236}">
-                <a16:creationId xmlns:a16="http://schemas.microsoft.com/office/drawing/2014/main" xmlns="" id="{5F9E940D-7090-E94B-8B49-5CA1D127071A}"/>
+                <a16:creationId xmlns:a16="http://schemas.microsoft.com/office/drawing/2014/main" id="{5F9E940D-7090-E94B-8B49-5CA1D127071A}"/>
               </a:ext>
             </a:extLst>
           </p:cNvPr>
@@ -4333,7 +4274,7 @@
           <p:cNvPr id="14" name="文本框 6">
             <a:extLst>
               <a:ext uri="{FF2B5EF4-FFF2-40B4-BE49-F238E27FC236}">
-                <a16:creationId xmlns:a16="http://schemas.microsoft.com/office/drawing/2014/main" xmlns="" id="{BB9196A1-74E2-5046-99D0-EB0B468753EC}"/>
+                <a16:creationId xmlns:a16="http://schemas.microsoft.com/office/drawing/2014/main" id="{BB9196A1-74E2-5046-99D0-EB0B468753EC}"/>
               </a:ext>
             </a:extLst>
           </p:cNvPr>
@@ -4466,30 +4407,29 @@
           <a:p>
             <a:pPr lvl="0"/>
             <a:r>
-              <a:rPr kumimoji="1" lang="en-US" altLang="zh-CN" dirty="0" smtClean="0"/>
+              <a:rPr kumimoji="1" lang="en-US" altLang="zh-CN" dirty="0"/>
               <a:t>Choice</a:t>
             </a:r>
             <a:r>
-              <a:rPr kumimoji="1" lang="zh-CN" altLang="en-US" dirty="0" smtClean="0"/>
+              <a:rPr kumimoji="1" lang="zh-CN" altLang="en-US" dirty="0"/>
               <a:t> </a:t>
             </a:r>
             <a:r>
-              <a:rPr kumimoji="1" lang="en-US" altLang="zh-CN" dirty="0" smtClean="0"/>
+              <a:rPr kumimoji="1" lang="en-US" altLang="zh-CN" dirty="0"/>
               <a:t>A</a:t>
             </a:r>
             <a:r>
-              <a:rPr kumimoji="1" lang="zh-CN" altLang="en-US" dirty="0" smtClean="0"/>
+              <a:rPr kumimoji="1" lang="zh-CN" altLang="en-US" dirty="0"/>
               <a:t> </a:t>
             </a:r>
             <a:r>
-              <a:rPr kumimoji="1" lang="en-US" altLang="zh-CN" dirty="0" smtClean="0"/>
+              <a:rPr kumimoji="1" lang="en-US" altLang="zh-CN" dirty="0"/>
               <a:t>+</a:t>
             </a:r>
             <a:r>
-              <a:rPr kumimoji="1" lang="zh-CN" altLang="en-US" dirty="0" smtClean="0"/>
+              <a:rPr kumimoji="1" lang="zh-CN" altLang="en-US" dirty="0"/>
               <a:t> 释义</a:t>
             </a:r>
-            <a:endParaRPr kumimoji="1" lang="zh-CN" altLang="en-US" dirty="0"/>
           </a:p>
         </p:txBody>
       </p:sp>
@@ -4609,27 +4549,27 @@
               <a:defRPr/>
             </a:pPr>
             <a:r>
-              <a:rPr kumimoji="1" lang="en-US" altLang="zh-CN" dirty="0" smtClean="0"/>
+              <a:rPr kumimoji="1" lang="en-US" altLang="zh-CN" dirty="0"/>
               <a:t>Choice</a:t>
             </a:r>
             <a:r>
-              <a:rPr kumimoji="1" lang="zh-CN" altLang="en-US" dirty="0" smtClean="0"/>
+              <a:rPr kumimoji="1" lang="zh-CN" altLang="en-US" dirty="0"/>
               <a:t> </a:t>
             </a:r>
             <a:r>
-              <a:rPr kumimoji="1" lang="en-US" altLang="zh-CN" dirty="0" smtClean="0"/>
+              <a:rPr kumimoji="1" lang="en-US" altLang="zh-CN" dirty="0"/>
               <a:t>B</a:t>
             </a:r>
             <a:r>
-              <a:rPr kumimoji="1" lang="zh-CN" altLang="en-US" dirty="0" smtClean="0"/>
+              <a:rPr kumimoji="1" lang="zh-CN" altLang="en-US" dirty="0"/>
               <a:t> </a:t>
             </a:r>
             <a:r>
-              <a:rPr kumimoji="1" lang="en-US" altLang="zh-CN" dirty="0" smtClean="0"/>
+              <a:rPr kumimoji="1" lang="en-US" altLang="zh-CN" dirty="0"/>
               <a:t>+</a:t>
             </a:r>
             <a:r>
-              <a:rPr kumimoji="1" lang="zh-CN" altLang="en-US" dirty="0" smtClean="0"/>
+              <a:rPr kumimoji="1" lang="zh-CN" altLang="en-US" dirty="0"/>
               <a:t> 释义</a:t>
             </a:r>
           </a:p>
@@ -4751,27 +4691,27 @@
               <a:defRPr/>
             </a:pPr>
             <a:r>
-              <a:rPr kumimoji="1" lang="en-US" altLang="zh-CN" dirty="0" smtClean="0"/>
+              <a:rPr kumimoji="1" lang="en-US" altLang="zh-CN" dirty="0"/>
               <a:t>Choice</a:t>
             </a:r>
             <a:r>
-              <a:rPr kumimoji="1" lang="zh-CN" altLang="en-US" dirty="0" smtClean="0"/>
+              <a:rPr kumimoji="1" lang="zh-CN" altLang="en-US" dirty="0"/>
               <a:t> </a:t>
             </a:r>
             <a:r>
-              <a:rPr kumimoji="1" lang="en-US" altLang="zh-CN" dirty="0" smtClean="0"/>
+              <a:rPr kumimoji="1" lang="en-US" altLang="zh-CN" dirty="0"/>
               <a:t>C</a:t>
             </a:r>
             <a:r>
-              <a:rPr kumimoji="1" lang="zh-CN" altLang="en-US" dirty="0" smtClean="0"/>
+              <a:rPr kumimoji="1" lang="zh-CN" altLang="en-US" dirty="0"/>
               <a:t> </a:t>
             </a:r>
             <a:r>
-              <a:rPr kumimoji="1" lang="en-US" altLang="zh-CN" dirty="0" smtClean="0"/>
+              <a:rPr kumimoji="1" lang="en-US" altLang="zh-CN" dirty="0"/>
               <a:t>+</a:t>
             </a:r>
             <a:r>
-              <a:rPr kumimoji="1" lang="zh-CN" altLang="en-US" dirty="0" smtClean="0"/>
+              <a:rPr kumimoji="1" lang="zh-CN" altLang="en-US" dirty="0"/>
               <a:t> 释义</a:t>
             </a:r>
           </a:p>
@@ -4893,27 +4833,27 @@
               <a:defRPr/>
             </a:pPr>
             <a:r>
-              <a:rPr kumimoji="1" lang="en-US" altLang="zh-CN" dirty="0" smtClean="0"/>
+              <a:rPr kumimoji="1" lang="en-US" altLang="zh-CN" dirty="0"/>
               <a:t>Choice</a:t>
             </a:r>
             <a:r>
-              <a:rPr kumimoji="1" lang="zh-CN" altLang="en-US" dirty="0" smtClean="0"/>
+              <a:rPr kumimoji="1" lang="zh-CN" altLang="en-US" dirty="0"/>
               <a:t> </a:t>
             </a:r>
             <a:r>
-              <a:rPr kumimoji="1" lang="en-US" altLang="zh-CN" dirty="0" smtClean="0"/>
+              <a:rPr kumimoji="1" lang="en-US" altLang="zh-CN" dirty="0"/>
               <a:t>D</a:t>
             </a:r>
             <a:r>
-              <a:rPr kumimoji="1" lang="zh-CN" altLang="en-US" dirty="0" smtClean="0"/>
+              <a:rPr kumimoji="1" lang="zh-CN" altLang="en-US" dirty="0"/>
               <a:t> </a:t>
             </a:r>
             <a:r>
-              <a:rPr kumimoji="1" lang="en-US" altLang="zh-CN" dirty="0" smtClean="0"/>
+              <a:rPr kumimoji="1" lang="en-US" altLang="zh-CN" dirty="0"/>
               <a:t>+</a:t>
             </a:r>
             <a:r>
-              <a:rPr kumimoji="1" lang="zh-CN" altLang="en-US" dirty="0" smtClean="0"/>
+              <a:rPr kumimoji="1" lang="zh-CN" altLang="en-US" dirty="0"/>
               <a:t> 释义</a:t>
             </a:r>
           </a:p>
@@ -5008,18 +4948,17 @@
           <a:p>
             <a:pPr lvl="0"/>
             <a:r>
-              <a:rPr kumimoji="1" lang="zh-CN" altLang="en-US" dirty="0" smtClean="0"/>
+              <a:rPr kumimoji="1" lang="zh-CN" altLang="en-US" dirty="0"/>
               <a:t>更多解释</a:t>
             </a:r>
             <a:r>
-              <a:rPr kumimoji="1" lang="en-US" altLang="zh-CN" dirty="0" smtClean="0"/>
+              <a:rPr kumimoji="1" lang="en-US" altLang="zh-CN" dirty="0"/>
               <a:t>/</a:t>
             </a:r>
             <a:r>
-              <a:rPr kumimoji="1" lang="zh-CN" altLang="en-US" dirty="0" smtClean="0"/>
+              <a:rPr kumimoji="1" lang="zh-CN" altLang="en-US" dirty="0"/>
               <a:t>备注：这里是文字</a:t>
             </a:r>
-            <a:endParaRPr kumimoji="1" lang="zh-CN" altLang="en-US" dirty="0"/>
           </a:p>
         </p:txBody>
       </p:sp>
@@ -5063,7 +5002,7 @@
               <a:defRPr/>
             </a:pPr>
             <a:r>
-              <a:rPr kumimoji="1" lang="zh-CN" altLang="en-US" sz="2000" b="0" i="0" u="none" strike="noStrike" kern="1200" cap="none" spc="0" normalizeH="0" baseline="0" noProof="0" dirty="0" smtClean="0">
+              <a:rPr kumimoji="1" lang="zh-CN" altLang="en-US" sz="2000" b="0" i="0" u="none" strike="noStrike" kern="1200" cap="none" spc="0" normalizeH="0" baseline="0" noProof="0" dirty="0">
                 <a:ln>
                   <a:noFill/>
                 </a:ln>
@@ -5100,13 +5039,6 @@
   <p:clrMapOvr>
     <a:masterClrMapping/>
   </p:clrMapOvr>
-  <p:timing>
-    <p:tnLst>
-      <p:par>
-        <p:cTn id="1" dur="indefinite" restart="never" nodeType="tmRoot"/>
-      </p:par>
-    </p:tnLst>
-  </p:timing>
 </p:sldLayout>
 </file>
 
@@ -5302,7 +5234,7 @@
               <a:t> </a:t>
             </a:r>
             <a:r>
-              <a:rPr kumimoji="1" lang="en-US" altLang="zh-CN" b="0" i="0" dirty="0" smtClean="0">
+              <a:rPr kumimoji="1" lang="en-US" altLang="zh-CN" b="0" i="0" dirty="0">
                 <a:latin typeface="Helvetica Neue Medium" charset="0"/>
                 <a:ea typeface="Helvetica Neue Medium" charset="0"/>
                 <a:cs typeface="Helvetica Neue Medium" charset="0"/>
@@ -5310,11 +5242,11 @@
               <a:t>question </a:t>
             </a:r>
             <a:r>
-              <a:rPr kumimoji="1" lang="en-US" altLang="zh-CN" dirty="0" smtClean="0"/>
+              <a:rPr kumimoji="1" lang="en-US" altLang="zh-CN" dirty="0"/>
               <a:t>in</a:t>
             </a:r>
             <a:r>
-              <a:rPr kumimoji="1" lang="zh-CN" altLang="en-US" dirty="0" smtClean="0"/>
+              <a:rPr kumimoji="1" lang="zh-CN" altLang="en-US" dirty="0"/>
               <a:t> </a:t>
             </a:r>
             <a:r>
@@ -5474,13 +5406,6 @@
   <p:clrMapOvr>
     <a:masterClrMapping/>
   </p:clrMapOvr>
-  <p:timing>
-    <p:tnLst>
-      <p:par>
-        <p:cTn id="1" dur="indefinite" restart="never" nodeType="tmRoot"/>
-      </p:par>
-    </p:tnLst>
-  </p:timing>
 </p:sldLayout>
 </file>
 
@@ -5676,7 +5601,7 @@
               <a:t> </a:t>
             </a:r>
             <a:r>
-              <a:rPr kumimoji="1" lang="en-US" altLang="zh-CN" b="0" i="0" dirty="0" smtClean="0">
+              <a:rPr kumimoji="1" lang="en-US" altLang="zh-CN" b="0" i="0" dirty="0">
                 <a:latin typeface="Helvetica Neue Medium" charset="0"/>
                 <a:ea typeface="Helvetica Neue Medium" charset="0"/>
                 <a:cs typeface="Helvetica Neue Medium" charset="0"/>
@@ -5684,11 +5609,11 @@
               <a:t>question </a:t>
             </a:r>
             <a:r>
-              <a:rPr kumimoji="1" lang="en-US" altLang="zh-CN" dirty="0" smtClean="0"/>
+              <a:rPr kumimoji="1" lang="en-US" altLang="zh-CN" dirty="0"/>
               <a:t>in</a:t>
             </a:r>
             <a:r>
-              <a:rPr kumimoji="1" lang="zh-CN" altLang="en-US" dirty="0" smtClean="0"/>
+              <a:rPr kumimoji="1" lang="zh-CN" altLang="en-US" dirty="0"/>
               <a:t> </a:t>
             </a:r>
             <a:r>
@@ -5852,7 +5777,7 @@
           <p:cNvPr id="7" name="文本占位符 3">
             <a:extLst>
               <a:ext uri="{FF2B5EF4-FFF2-40B4-BE49-F238E27FC236}">
-                <a16:creationId xmlns="" xmlns:a16="http://schemas.microsoft.com/office/drawing/2014/main" id="{5BA5F626-1F8E-054A-918D-94622AD4EABF}"/>
+                <a16:creationId xmlns:a16="http://schemas.microsoft.com/office/drawing/2014/main" id="{5BA5F626-1F8E-054A-918D-94622AD4EABF}"/>
               </a:ext>
             </a:extLst>
           </p:cNvPr>
@@ -5941,7 +5866,7 @@
           <p:cNvPr id="8" name="文本占位符 3">
             <a:extLst>
               <a:ext uri="{FF2B5EF4-FFF2-40B4-BE49-F238E27FC236}">
-                <a16:creationId xmlns="" xmlns:a16="http://schemas.microsoft.com/office/drawing/2014/main" id="{5FCCDF54-3207-5346-9F95-0AC916F61892}"/>
+                <a16:creationId xmlns:a16="http://schemas.microsoft.com/office/drawing/2014/main" id="{5FCCDF54-3207-5346-9F95-0AC916F61892}"/>
               </a:ext>
             </a:extLst>
           </p:cNvPr>
@@ -6030,7 +5955,7 @@
           <p:cNvPr id="9" name="文本占位符 3">
             <a:extLst>
               <a:ext uri="{FF2B5EF4-FFF2-40B4-BE49-F238E27FC236}">
-                <a16:creationId xmlns="" xmlns:a16="http://schemas.microsoft.com/office/drawing/2014/main" id="{B191C670-839A-7542-ADC9-27051AC8F6B2}"/>
+                <a16:creationId xmlns:a16="http://schemas.microsoft.com/office/drawing/2014/main" id="{B191C670-839A-7542-ADC9-27051AC8F6B2}"/>
               </a:ext>
             </a:extLst>
           </p:cNvPr>
@@ -6119,7 +6044,7 @@
           <p:cNvPr id="10" name="文本框 6">
             <a:extLst>
               <a:ext uri="{FF2B5EF4-FFF2-40B4-BE49-F238E27FC236}">
-                <a16:creationId xmlns="" xmlns:a16="http://schemas.microsoft.com/office/drawing/2014/main" id="{CFFCA465-7096-CF48-82C4-BBF12BAED15D}"/>
+                <a16:creationId xmlns:a16="http://schemas.microsoft.com/office/drawing/2014/main" id="{CFFCA465-7096-CF48-82C4-BBF12BAED15D}"/>
               </a:ext>
             </a:extLst>
           </p:cNvPr>
@@ -6169,7 +6094,7 @@
           <p:cNvPr id="11" name="文本框 6">
             <a:extLst>
               <a:ext uri="{FF2B5EF4-FFF2-40B4-BE49-F238E27FC236}">
-                <a16:creationId xmlns="" xmlns:a16="http://schemas.microsoft.com/office/drawing/2014/main" id="{58BB7382-28F7-B140-99CA-079FE427AFED}"/>
+                <a16:creationId xmlns:a16="http://schemas.microsoft.com/office/drawing/2014/main" id="{58BB7382-28F7-B140-99CA-079FE427AFED}"/>
               </a:ext>
             </a:extLst>
           </p:cNvPr>
@@ -6219,7 +6144,7 @@
           <p:cNvPr id="12" name="文本框 6">
             <a:extLst>
               <a:ext uri="{FF2B5EF4-FFF2-40B4-BE49-F238E27FC236}">
-                <a16:creationId xmlns="" xmlns:a16="http://schemas.microsoft.com/office/drawing/2014/main" id="{6857E332-9933-9042-B7A8-9060834982B6}"/>
+                <a16:creationId xmlns:a16="http://schemas.microsoft.com/office/drawing/2014/main" id="{6857E332-9933-9042-B7A8-9060834982B6}"/>
               </a:ext>
             </a:extLst>
           </p:cNvPr>
@@ -6269,7 +6194,7 @@
           <p:cNvPr id="13" name="文本框 6">
             <a:extLst>
               <a:ext uri="{FF2B5EF4-FFF2-40B4-BE49-F238E27FC236}">
-                <a16:creationId xmlns="" xmlns:a16="http://schemas.microsoft.com/office/drawing/2014/main" id="{9708D859-D292-E44F-97EB-598216544539}"/>
+                <a16:creationId xmlns:a16="http://schemas.microsoft.com/office/drawing/2014/main" id="{9708D859-D292-E44F-97EB-598216544539}"/>
               </a:ext>
             </a:extLst>
           </p:cNvPr>
@@ -6319,7 +6244,7 @@
           <p:cNvPr id="14" name="文本占位符 3">
             <a:extLst>
               <a:ext uri="{FF2B5EF4-FFF2-40B4-BE49-F238E27FC236}">
-                <a16:creationId xmlns="" xmlns:a16="http://schemas.microsoft.com/office/drawing/2014/main" id="{61048211-379D-CD4C-8037-C4240B243345}"/>
+                <a16:creationId xmlns:a16="http://schemas.microsoft.com/office/drawing/2014/main" id="{61048211-379D-CD4C-8037-C4240B243345}"/>
               </a:ext>
             </a:extLst>
           </p:cNvPr>
@@ -6404,13 +6329,6 @@
   <p:clrMapOvr>
     <a:masterClrMapping/>
   </p:clrMapOvr>
-  <p:timing>
-    <p:tnLst>
-      <p:par>
-        <p:cTn id="1" dur="indefinite" restart="never" nodeType="tmRoot"/>
-      </p:par>
-    </p:tnLst>
-  </p:timing>
 </p:sldLayout>
 </file>
 
@@ -6774,15 +6692,17 @@
         </p:nvSpPr>
         <p:spPr>
           <a:xfrm>
-            <a:off x="1055687" y="3076764"/>
-            <a:ext cx="762225" cy="432000"/>
-          </a:xfrm>
-          <a:prstGeom prst="rect">
-            <a:avLst/>
-          </a:prstGeom>
-        </p:spPr>
-        <p:txBody>
-          <a:bodyPr anchor="t"/>
+            <a:off x="1055686" y="3076764"/>
+            <a:ext cx="1296000" cy="432000"/>
+          </a:xfrm>
+          <a:prstGeom prst="rect">
+            <a:avLst/>
+          </a:prstGeom>
+        </p:spPr>
+        <p:txBody>
+          <a:bodyPr anchor="ctr" anchorCtr="0">
+            <a:normAutofit/>
+          </a:bodyPr>
           <a:lstStyle>
             <a:lvl1pPr marL="0" indent="0">
               <a:buFontTx/>
@@ -6817,7 +6737,7 @@
             </a:pPr>
             <a:r>
               <a:rPr kumimoji="1" lang="en-US" altLang="zh-CN" dirty="0"/>
-              <a:t>A1</a:t>
+              <a:t>B2-B2</a:t>
             </a:r>
           </a:p>
         </p:txBody>
@@ -6834,15 +6754,17 @@
         </p:nvSpPr>
         <p:spPr>
           <a:xfrm>
-            <a:off x="1632856" y="3077219"/>
-            <a:ext cx="9503143" cy="431546"/>
-          </a:xfrm>
-          <a:prstGeom prst="rect">
-            <a:avLst/>
-          </a:prstGeom>
-        </p:spPr>
-        <p:txBody>
-          <a:bodyPr tIns="28800" anchor="t"/>
+            <a:off x="2244436" y="3077219"/>
+            <a:ext cx="8891563" cy="431546"/>
+          </a:xfrm>
+          <a:prstGeom prst="rect">
+            <a:avLst/>
+          </a:prstGeom>
+        </p:spPr>
+        <p:txBody>
+          <a:bodyPr tIns="28800" anchor="ctr" anchorCtr="0">
+            <a:noAutofit/>
+          </a:bodyPr>
           <a:lstStyle>
             <a:lvl1pPr marL="0" indent="0">
               <a:lnSpc>
@@ -6956,17 +6878,9 @@
                 <a:ea typeface="PingFang SC" charset="-122"/>
                 <a:cs typeface="PingFang SC" charset="-122"/>
               </a:rPr>
-              <a:t>这里是</a:t>
-            </a:r>
-            <a:r>
-              <a:rPr kumimoji="1" lang="zh-CN" altLang="en-US" b="0" i="0" dirty="0" smtClean="0">
-                <a:latin typeface="PingFang SC" charset="-122"/>
-                <a:ea typeface="PingFang SC" charset="-122"/>
-                <a:cs typeface="PingFang SC" charset="-122"/>
-              </a:rPr>
-              <a:t>文字这里是文字这里是文字这里是文字这里是文字这里是文字这里是文字这里是文字。</a:t>
-            </a:r>
-            <a:endParaRPr kumimoji="1" lang="zh-CN" altLang="en-US" dirty="0" smtClean="0"/>
+              <a:t>这里是文字这里是文字这里是文字这里是文字这里是文字这里是文字这里是文字这里是文字。</a:t>
+            </a:r>
+            <a:endParaRPr kumimoji="1" lang="zh-CN" altLang="en-US" dirty="0"/>
           </a:p>
         </p:txBody>
       </p:sp>
@@ -6980,13 +6894,6 @@
   <p:clrMapOvr>
     <a:masterClrMapping/>
   </p:clrMapOvr>
-  <p:timing>
-    <p:tnLst>
-      <p:par>
-        <p:cTn id="1" dur="indefinite" restart="never" nodeType="tmRoot"/>
-      </p:par>
-    </p:tnLst>
-  </p:timing>
 </p:sldLayout>
 </file>
 
@@ -7148,18 +7055,7 @@
                 <a:ea typeface="PingFang SC" panose="020B0400000000000000" pitchFamily="34" charset="-122"/>
                 <a:cs typeface="PingFang SC Medium" charset="-122"/>
               </a:rPr>
-              <a:t>正确</a:t>
-            </a:r>
-            <a:r>
-              <a:rPr kumimoji="1" lang="zh-CN" altLang="en-US" sz="2400" b="0" i="0" smtClean="0">
-                <a:solidFill>
-                  <a:srgbClr val="1B1B1B"/>
-                </a:solidFill>
-                <a:latin typeface="PingFang SC" panose="020B0400000000000000" pitchFamily="34" charset="-122"/>
-                <a:ea typeface="PingFang SC" panose="020B0400000000000000" pitchFamily="34" charset="-122"/>
-                <a:cs typeface="PingFang SC Medium" charset="-122"/>
-              </a:rPr>
-              <a:t>解答</a:t>
+              <a:t>正确解答</a:t>
             </a:r>
             <a:endParaRPr kumimoji="1" lang="zh-CN" altLang="en-US" sz="2400" b="0" i="0" dirty="0">
               <a:solidFill>
@@ -7358,7 +7254,7 @@
           <p:cNvPr id="7" name="文本占位符 3">
             <a:extLst>
               <a:ext uri="{FF2B5EF4-FFF2-40B4-BE49-F238E27FC236}">
-                <a16:creationId xmlns:a16="http://schemas.microsoft.com/office/drawing/2014/main" xmlns="" id="{A74FB077-6AA3-0B43-AC21-EE33C7C61E10}"/>
+                <a16:creationId xmlns:a16="http://schemas.microsoft.com/office/drawing/2014/main" id="{A74FB077-6AA3-0B43-AC21-EE33C7C61E10}"/>
               </a:ext>
             </a:extLst>
           </p:cNvPr>
@@ -7441,7 +7337,7 @@
           <p:cNvPr id="8" name="文本占位符 3">
             <a:extLst>
               <a:ext uri="{FF2B5EF4-FFF2-40B4-BE49-F238E27FC236}">
-                <a16:creationId xmlns:a16="http://schemas.microsoft.com/office/drawing/2014/main" xmlns="" id="{AD89B8CD-8466-564E-98F9-0FDFC2E5A77B}"/>
+                <a16:creationId xmlns:a16="http://schemas.microsoft.com/office/drawing/2014/main" id="{AD89B8CD-8466-564E-98F9-0FDFC2E5A77B}"/>
               </a:ext>
             </a:extLst>
           </p:cNvPr>
@@ -7530,7 +7426,7 @@
           <p:cNvPr id="9" name="文本占位符 3">
             <a:extLst>
               <a:ext uri="{FF2B5EF4-FFF2-40B4-BE49-F238E27FC236}">
-                <a16:creationId xmlns:a16="http://schemas.microsoft.com/office/drawing/2014/main" xmlns="" id="{DC7420E9-D400-EC49-BA07-FADE6C3CD450}"/>
+                <a16:creationId xmlns:a16="http://schemas.microsoft.com/office/drawing/2014/main" id="{DC7420E9-D400-EC49-BA07-FADE6C3CD450}"/>
               </a:ext>
             </a:extLst>
           </p:cNvPr>
@@ -7619,7 +7515,7 @@
           <p:cNvPr id="10" name="文本占位符 3">
             <a:extLst>
               <a:ext uri="{FF2B5EF4-FFF2-40B4-BE49-F238E27FC236}">
-                <a16:creationId xmlns:a16="http://schemas.microsoft.com/office/drawing/2014/main" xmlns="" id="{911556EF-2E53-D44E-B558-5C114F0FAA7C}"/>
+                <a16:creationId xmlns:a16="http://schemas.microsoft.com/office/drawing/2014/main" id="{911556EF-2E53-D44E-B558-5C114F0FAA7C}"/>
               </a:ext>
             </a:extLst>
           </p:cNvPr>
@@ -7708,7 +7604,7 @@
           <p:cNvPr id="11" name="文本框 6">
             <a:extLst>
               <a:ext uri="{FF2B5EF4-FFF2-40B4-BE49-F238E27FC236}">
-                <a16:creationId xmlns:a16="http://schemas.microsoft.com/office/drawing/2014/main" xmlns="" id="{5D38C703-0535-2649-B4A0-B8F05CF7B2C5}"/>
+                <a16:creationId xmlns:a16="http://schemas.microsoft.com/office/drawing/2014/main" id="{5D38C703-0535-2649-B4A0-B8F05CF7B2C5}"/>
               </a:ext>
             </a:extLst>
           </p:cNvPr>
@@ -7758,7 +7654,7 @@
           <p:cNvPr id="12" name="文本框 6">
             <a:extLst>
               <a:ext uri="{FF2B5EF4-FFF2-40B4-BE49-F238E27FC236}">
-                <a16:creationId xmlns:a16="http://schemas.microsoft.com/office/drawing/2014/main" xmlns="" id="{65E5CD98-D6C1-1848-86A2-A50598B55139}"/>
+                <a16:creationId xmlns:a16="http://schemas.microsoft.com/office/drawing/2014/main" id="{65E5CD98-D6C1-1848-86A2-A50598B55139}"/>
               </a:ext>
             </a:extLst>
           </p:cNvPr>
@@ -7808,7 +7704,7 @@
           <p:cNvPr id="13" name="文本框 6">
             <a:extLst>
               <a:ext uri="{FF2B5EF4-FFF2-40B4-BE49-F238E27FC236}">
-                <a16:creationId xmlns:a16="http://schemas.microsoft.com/office/drawing/2014/main" xmlns="" id="{5F9E940D-7090-E94B-8B49-5CA1D127071A}"/>
+                <a16:creationId xmlns:a16="http://schemas.microsoft.com/office/drawing/2014/main" id="{5F9E940D-7090-E94B-8B49-5CA1D127071A}"/>
               </a:ext>
             </a:extLst>
           </p:cNvPr>
@@ -7858,7 +7754,7 @@
           <p:cNvPr id="14" name="文本框 6">
             <a:extLst>
               <a:ext uri="{FF2B5EF4-FFF2-40B4-BE49-F238E27FC236}">
-                <a16:creationId xmlns:a16="http://schemas.microsoft.com/office/drawing/2014/main" xmlns="" id="{BB9196A1-74E2-5046-99D0-EB0B468753EC}"/>
+                <a16:creationId xmlns:a16="http://schemas.microsoft.com/office/drawing/2014/main" id="{BB9196A1-74E2-5046-99D0-EB0B468753EC}"/>
               </a:ext>
             </a:extLst>
           </p:cNvPr>
@@ -7908,7 +7804,7 @@
           <p:cNvPr id="15" name="文本占位符 8">
             <a:extLst>
               <a:ext uri="{FF2B5EF4-FFF2-40B4-BE49-F238E27FC236}">
-                <a16:creationId xmlns:a16="http://schemas.microsoft.com/office/drawing/2014/main" xmlns="" id="{DC4E8E34-3460-3444-B72A-429476C3F597}"/>
+                <a16:creationId xmlns:a16="http://schemas.microsoft.com/office/drawing/2014/main" id="{DC4E8E34-3460-3444-B72A-429476C3F597}"/>
               </a:ext>
             </a:extLst>
           </p:cNvPr>
@@ -7922,14 +7818,16 @@
         <p:spPr>
           <a:xfrm>
             <a:off x="1051252" y="3470334"/>
-            <a:ext cx="729568" cy="432000"/>
-          </a:xfrm>
-          <a:prstGeom prst="rect">
-            <a:avLst/>
-          </a:prstGeom>
-        </p:spPr>
-        <p:txBody>
-          <a:bodyPr anchor="ctr"/>
+            <a:ext cx="1152000" cy="432000"/>
+          </a:xfrm>
+          <a:prstGeom prst="rect">
+            <a:avLst/>
+          </a:prstGeom>
+        </p:spPr>
+        <p:txBody>
+          <a:bodyPr anchor="ctr">
+            <a:normAutofit/>
+          </a:bodyPr>
           <a:lstStyle>
             <a:lvl1pPr marL="0" indent="0">
               <a:buFontTx/>
@@ -7964,7 +7862,7 @@
             </a:pPr>
             <a:r>
               <a:rPr kumimoji="1" lang="en-US" altLang="zh-CN" dirty="0"/>
-              <a:t>A1</a:t>
+              <a:t>B2-B2</a:t>
             </a:r>
           </a:p>
         </p:txBody>
@@ -7974,7 +7872,7 @@
           <p:cNvPr id="16" name="文本占位符 8">
             <a:extLst>
               <a:ext uri="{FF2B5EF4-FFF2-40B4-BE49-F238E27FC236}">
-                <a16:creationId xmlns:a16="http://schemas.microsoft.com/office/drawing/2014/main" xmlns="" id="{993DB0B2-65A6-8C4E-BC99-5DD87B1ACE41}"/>
+                <a16:creationId xmlns:a16="http://schemas.microsoft.com/office/drawing/2014/main" id="{993DB0B2-65A6-8C4E-BC99-5DD87B1ACE41}"/>
               </a:ext>
             </a:extLst>
           </p:cNvPr>
@@ -7987,8 +7885,8 @@
         </p:nvSpPr>
         <p:spPr>
           <a:xfrm>
-            <a:off x="1600372" y="3470789"/>
-            <a:ext cx="9531191" cy="431546"/>
+            <a:off x="2105891" y="3470789"/>
+            <a:ext cx="9025672" cy="431546"/>
           </a:xfrm>
           <a:prstGeom prst="rect">
             <a:avLst/>
@@ -8043,7 +7941,7 @@
           <p:cNvPr id="17" name="文本占位符 12">
             <a:extLst>
               <a:ext uri="{FF2B5EF4-FFF2-40B4-BE49-F238E27FC236}">
-                <a16:creationId xmlns:a16="http://schemas.microsoft.com/office/drawing/2014/main" xmlns="" id="{C20C845D-B437-B644-A0DC-11B9DDD011BE}"/>
+                <a16:creationId xmlns:a16="http://schemas.microsoft.com/office/drawing/2014/main" id="{C20C845D-B437-B644-A0DC-11B9DDD011BE}"/>
               </a:ext>
             </a:extLst>
           </p:cNvPr>
@@ -8115,17 +8013,9 @@
                 <a:ea typeface="PingFang SC" charset="-122"/>
                 <a:cs typeface="PingFang SC" charset="-122"/>
               </a:rPr>
-              <a:t>这里是</a:t>
-            </a:r>
-            <a:r>
-              <a:rPr kumimoji="1" lang="zh-CN" altLang="en-US" b="0" i="0" dirty="0" smtClean="0">
-                <a:latin typeface="PingFang SC" charset="-122"/>
-                <a:ea typeface="PingFang SC" charset="-122"/>
-                <a:cs typeface="PingFang SC" charset="-122"/>
-              </a:rPr>
-              <a:t>文字这里是文字这里是文字这里是文字这里是文字这里是文字这里是文字这里是文字这里是文字这里是文字。</a:t>
-            </a:r>
-            <a:endParaRPr kumimoji="1" lang="zh-CN" altLang="en-US" dirty="0" smtClean="0"/>
+              <a:t>这里是文字这里是文字这里是文字这里是文字这里是文字这里是文字这里是文字这里是文字这里是文字这里是文字。</a:t>
+            </a:r>
+            <a:endParaRPr kumimoji="1" lang="zh-CN" altLang="en-US" dirty="0"/>
           </a:p>
         </p:txBody>
       </p:sp>
@@ -8139,13 +8029,6 @@
   <p:clrMapOvr>
     <a:masterClrMapping/>
   </p:clrMapOvr>
-  <p:timing>
-    <p:tnLst>
-      <p:par>
-        <p:cTn id="1" dur="indefinite" restart="never" nodeType="tmRoot"/>
-      </p:par>
-    </p:tnLst>
-  </p:timing>
 </p:sldLayout>
 </file>
 
@@ -8500,7 +8383,7 @@
               <a:defRPr/>
             </a:pPr>
             <a:r>
-              <a:rPr lang="zh-CN" altLang="en-US" sz="2400" b="0" i="0" dirty="0" smtClean="0">
+              <a:rPr lang="zh-CN" altLang="en-US" sz="2400" b="0" i="0" dirty="0">
                 <a:solidFill>
                   <a:srgbClr val="1B1B1B"/>
                 </a:solidFill>
@@ -8509,41 +8392,8 @@
                 <a:ea typeface="PingFang SC" charset="-122"/>
                 <a:cs typeface="PingFang SC" charset="-122"/>
               </a:rPr>
-              <a:t>正在</a:t>
-            </a:r>
-            <a:r>
-              <a:rPr lang="zh-CN" altLang="en-US" sz="2400" b="0" i="0" dirty="0">
-                <a:solidFill>
-                  <a:srgbClr val="1B1B1B"/>
-                </a:solidFill>
-                <a:effectLst/>
-                <a:latin typeface="PingFang SC" charset="-122"/>
-                <a:ea typeface="PingFang SC" charset="-122"/>
-                <a:cs typeface="PingFang SC" charset="-122"/>
-              </a:rPr>
-              <a:t>计算分数，请</a:t>
-            </a:r>
-            <a:r>
-              <a:rPr lang="zh-CN" altLang="en-US" sz="2400" b="0" i="0" dirty="0" smtClean="0">
-                <a:solidFill>
-                  <a:srgbClr val="1B1B1B"/>
-                </a:solidFill>
-                <a:effectLst/>
-                <a:latin typeface="PingFang SC" charset="-122"/>
-                <a:ea typeface="PingFang SC" charset="-122"/>
-                <a:cs typeface="PingFang SC" charset="-122"/>
-              </a:rPr>
-              <a:t>稍后</a:t>
-            </a:r>
-            <a:endParaRPr lang="zh-CN" altLang="en-US" sz="2400" b="0" i="0" dirty="0">
-              <a:solidFill>
-                <a:srgbClr val="1B1B1B"/>
-              </a:solidFill>
-              <a:effectLst/>
-              <a:latin typeface="PingFang SC" charset="-122"/>
-              <a:ea typeface="PingFang SC" charset="-122"/>
-              <a:cs typeface="PingFang SC" charset="-122"/>
-            </a:endParaRPr>
+              <a:t>正在计算分数，请稍后</a:t>
+            </a:r>
           </a:p>
         </p:txBody>
       </p:sp>
@@ -8658,10 +8508,10 @@
               <a:defRPr/>
             </a:pPr>
             <a:r>
-              <a:rPr kumimoji="1" lang="en-US" altLang="zh-CN" dirty="0" smtClean="0"/>
+              <a:rPr kumimoji="1" lang="en-US" altLang="zh-CN" dirty="0"/>
               <a:t>Calculating score, please wait</a:t>
             </a:r>
-            <a:endParaRPr kumimoji="1" lang="zh-CN" altLang="en-US" dirty="0" smtClean="0"/>
+            <a:endParaRPr kumimoji="1" lang="zh-CN" altLang="en-US" dirty="0"/>
           </a:p>
         </p:txBody>
       </p:sp>
@@ -8675,13 +8525,6 @@
   <p:clrMapOvr>
     <a:masterClrMapping/>
   </p:clrMapOvr>
-  <p:timing>
-    <p:tnLst>
-      <p:par>
-        <p:cTn id="1" dur="indefinite" restart="never" nodeType="tmRoot"/>
-      </p:par>
-    </p:tnLst>
-  </p:timing>
 </p:sldLayout>
 </file>
 
@@ -8714,15 +8557,17 @@
         </p:nvSpPr>
         <p:spPr>
           <a:xfrm>
-            <a:off x="1056000" y="1090343"/>
-            <a:ext cx="10080000" cy="1332000"/>
-          </a:xfrm>
-          <a:prstGeom prst="rect">
-            <a:avLst/>
-          </a:prstGeom>
-        </p:spPr>
-        <p:txBody>
-          <a:bodyPr/>
+            <a:off x="336000" y="1090343"/>
+            <a:ext cx="11520000" cy="1332000"/>
+          </a:xfrm>
+          <a:prstGeom prst="rect">
+            <a:avLst/>
+          </a:prstGeom>
+        </p:spPr>
+        <p:txBody>
+          <a:bodyPr anchor="ctr" anchorCtr="0">
+            <a:normAutofit/>
+          </a:bodyPr>
           <a:lstStyle>
             <a:lvl1pPr marL="0" indent="0" algn="ctr">
               <a:buFontTx/>
@@ -8776,7 +8621,7 @@
           <a:p>
             <a:pPr lvl="0"/>
             <a:r>
-              <a:rPr kumimoji="1" lang="en-US" altLang="zh-CN" dirty="0" smtClean="0"/>
+              <a:rPr kumimoji="1" lang="en-US" altLang="zh-CN" dirty="0"/>
               <a:t>Perfect</a:t>
             </a:r>
             <a:endParaRPr kumimoji="1" lang="zh-CN" altLang="en-US" dirty="0"/>
@@ -8795,15 +8640,17 @@
         </p:nvSpPr>
         <p:spPr>
           <a:xfrm>
-            <a:off x="1056000" y="2618992"/>
-            <a:ext cx="10080000" cy="1141175"/>
-          </a:xfrm>
-          <a:prstGeom prst="rect">
-            <a:avLst/>
-          </a:prstGeom>
-        </p:spPr>
-        <p:txBody>
-          <a:bodyPr anchor="ctr"/>
+            <a:off x="336000" y="2618992"/>
+            <a:ext cx="11520000" cy="1141175"/>
+          </a:xfrm>
+          <a:prstGeom prst="rect">
+            <a:avLst/>
+          </a:prstGeom>
+        </p:spPr>
+        <p:txBody>
+          <a:bodyPr anchor="ctr">
+            <a:normAutofit/>
+          </a:bodyPr>
           <a:lstStyle>
             <a:lvl1pPr marL="0" marR="0" indent="0" algn="ctr" defTabSz="914400" rtl="0" eaLnBrk="1" fontAlgn="auto" latinLnBrk="0" hangingPunct="1">
               <a:lnSpc>
@@ -8881,10 +8728,10 @@
           <a:p>
             <a:pPr lvl="0"/>
             <a:r>
-              <a:rPr kumimoji="1" lang="zh-CN" altLang="en-US" dirty="0" smtClean="0"/>
+              <a:rPr kumimoji="1" lang="zh-CN" altLang="en-US" dirty="0"/>
               <a:t>非常棒</a:t>
             </a:r>
-            <a:endParaRPr kumimoji="1" lang="en-US" altLang="zh-CN" dirty="0" smtClean="0"/>
+            <a:endParaRPr kumimoji="1" lang="en-US" altLang="zh-CN" dirty="0"/>
           </a:p>
         </p:txBody>
       </p:sp>
@@ -8900,15 +8747,17 @@
         </p:nvSpPr>
         <p:spPr>
           <a:xfrm>
-            <a:off x="5376000" y="4406274"/>
-            <a:ext cx="1440000" cy="514350"/>
-          </a:xfrm>
-          <a:prstGeom prst="rect">
-            <a:avLst/>
-          </a:prstGeom>
-        </p:spPr>
-        <p:txBody>
-          <a:bodyPr/>
+            <a:off x="5304000" y="4406274"/>
+            <a:ext cx="1584000" cy="514350"/>
+          </a:xfrm>
+          <a:prstGeom prst="rect">
+            <a:avLst/>
+          </a:prstGeom>
+        </p:spPr>
+        <p:txBody>
+          <a:bodyPr anchor="ctr" anchorCtr="0">
+            <a:normAutofit/>
+          </a:bodyPr>
           <a:lstStyle>
             <a:lvl1pPr marL="0" indent="0" algn="ctr">
               <a:lnSpc>
@@ -8989,7 +8838,7 @@
           <a:p>
             <a:pPr lvl="0"/>
             <a:r>
-              <a:rPr kumimoji="1" lang="en-US" altLang="zh-CN" smtClean="0"/>
+              <a:rPr kumimoji="1" lang="en-US" altLang="zh-CN" dirty="0"/>
               <a:t>100</a:t>
             </a:r>
             <a:endParaRPr kumimoji="1" lang="zh-CN" altLang="en-US" dirty="0"/>
@@ -9098,13 +8947,6 @@
   <p:clrMapOvr>
     <a:masterClrMapping/>
   </p:clrMapOvr>
-  <p:timing>
-    <p:tnLst>
-      <p:par>
-        <p:cTn id="1" dur="indefinite" restart="never" nodeType="tmRoot"/>
-      </p:par>
-    </p:tnLst>
-  </p:timing>
 </p:sldLayout>
 </file>
 
@@ -9187,13 +9029,6 @@
     <p:sldLayoutId id="2147483658" r:id="rId12"/>
     <p:sldLayoutId id="2147483659" r:id="rId13"/>
   </p:sldLayoutIdLst>
-  <p:timing>
-    <p:tnLst>
-      <p:par>
-        <p:cTn id="1" dur="indefinite" restart="never" nodeType="tmRoot"/>
-      </p:par>
-    </p:tnLst>
-  </p:timing>
   <p:txStyles>
     <p:titleStyle>
       <a:lvl1pPr algn="l" defTabSz="914400" rtl="0" eaLnBrk="1" latinLnBrk="0" hangingPunct="1">
